--- a/final+data+lecture.pptx
+++ b/final+data+lecture.pptx
@@ -15,17 +15,23 @@
     <p:sldId id="276" r:id="rId9"/>
     <p:sldId id="262" r:id="rId10"/>
     <p:sldId id="263" r:id="rId11"/>
-    <p:sldId id="274" r:id="rId12"/>
-    <p:sldId id="264" r:id="rId13"/>
-    <p:sldId id="265" r:id="rId14"/>
-    <p:sldId id="266" r:id="rId15"/>
-    <p:sldId id="275" r:id="rId16"/>
-    <p:sldId id="267" r:id="rId17"/>
-    <p:sldId id="268" r:id="rId18"/>
-    <p:sldId id="269" r:id="rId19"/>
-    <p:sldId id="270" r:id="rId20"/>
-    <p:sldId id="272" r:id="rId21"/>
-    <p:sldId id="277" r:id="rId22"/>
+    <p:sldId id="279" r:id="rId12"/>
+    <p:sldId id="278" r:id="rId13"/>
+    <p:sldId id="274" r:id="rId14"/>
+    <p:sldId id="264" r:id="rId15"/>
+    <p:sldId id="265" r:id="rId16"/>
+    <p:sldId id="266" r:id="rId17"/>
+    <p:sldId id="275" r:id="rId18"/>
+    <p:sldId id="280" r:id="rId19"/>
+    <p:sldId id="282" r:id="rId20"/>
+    <p:sldId id="283" r:id="rId21"/>
+    <p:sldId id="267" r:id="rId22"/>
+    <p:sldId id="268" r:id="rId23"/>
+    <p:sldId id="269" r:id="rId24"/>
+    <p:sldId id="281" r:id="rId25"/>
+    <p:sldId id="270" r:id="rId26"/>
+    <p:sldId id="272" r:id="rId27"/>
+    <p:sldId id="277" r:id="rId28"/>
   </p:sldIdLst>
   <p:sldSz cx="9144000" cy="6858000" type="screen4x3"/>
   <p:notesSz cx="6858000" cy="9144000"/>
@@ -2884,7 +2890,8 @@
           <a:p>
             <a:fld id="{119D08E6-44D2-45FF-809D-8BF2D3D4E878}" type="datetimeFigureOut">
               <a:rPr lang="en-US" smtClean="0"/>
-              <a:t>4/17/2012</a:t>
+              <a:pPr/>
+              <a:t>4/24/2012</a:t>
             </a:fld>
             <a:endParaRPr lang="en-US"/>
           </a:p>
@@ -3000,6 +3007,7 @@
           <a:p>
             <a:fld id="{DDA902F4-16CF-439F-A025-D05D80A21904}" type="slidenum">
               <a:rPr lang="en-US" smtClean="0"/>
+              <a:pPr/>
               <a:t>‹#›</a:t>
             </a:fld>
             <a:endParaRPr lang="en-US"/>
@@ -3169,7 +3177,8 @@
           <a:p>
             <a:fld id="{119D08E6-44D2-45FF-809D-8BF2D3D4E878}" type="datetimeFigureOut">
               <a:rPr lang="en-US" smtClean="0"/>
-              <a:t>4/17/2012</a:t>
+              <a:pPr/>
+              <a:t>4/24/2012</a:t>
             </a:fld>
             <a:endParaRPr lang="en-US"/>
           </a:p>
@@ -3211,6 +3220,7 @@
           <a:p>
             <a:fld id="{DDA902F4-16CF-439F-A025-D05D80A21904}" type="slidenum">
               <a:rPr lang="en-US" smtClean="0"/>
+              <a:pPr/>
               <a:t>‹#›</a:t>
             </a:fld>
             <a:endParaRPr lang="en-US"/>
@@ -3344,7 +3354,8 @@
           <a:p>
             <a:fld id="{119D08E6-44D2-45FF-809D-8BF2D3D4E878}" type="datetimeFigureOut">
               <a:rPr lang="en-US" smtClean="0"/>
-              <a:t>4/17/2012</a:t>
+              <a:pPr/>
+              <a:t>4/24/2012</a:t>
             </a:fld>
             <a:endParaRPr lang="en-US"/>
           </a:p>
@@ -3386,6 +3397,7 @@
           <a:p>
             <a:fld id="{DDA902F4-16CF-439F-A025-D05D80A21904}" type="slidenum">
               <a:rPr lang="en-US" smtClean="0"/>
+              <a:pPr/>
               <a:t>‹#›</a:t>
             </a:fld>
             <a:endParaRPr lang="en-US"/>
@@ -3509,7 +3521,8 @@
           <a:p>
             <a:fld id="{119D08E6-44D2-45FF-809D-8BF2D3D4E878}" type="datetimeFigureOut">
               <a:rPr lang="en-US" smtClean="0"/>
-              <a:t>4/17/2012</a:t>
+              <a:pPr/>
+              <a:t>4/24/2012</a:t>
             </a:fld>
             <a:endParaRPr lang="en-US"/>
           </a:p>
@@ -3551,6 +3564,7 @@
           <a:p>
             <a:fld id="{DDA902F4-16CF-439F-A025-D05D80A21904}" type="slidenum">
               <a:rPr lang="en-US" smtClean="0"/>
+              <a:pPr/>
               <a:t>‹#›</a:t>
             </a:fld>
             <a:endParaRPr lang="en-US"/>
@@ -3750,7 +3764,8 @@
           <a:p>
             <a:fld id="{119D08E6-44D2-45FF-809D-8BF2D3D4E878}" type="datetimeFigureOut">
               <a:rPr lang="en-US" smtClean="0"/>
-              <a:t>4/17/2012</a:t>
+              <a:pPr/>
+              <a:t>4/24/2012</a:t>
             </a:fld>
             <a:endParaRPr lang="en-US"/>
           </a:p>
@@ -3792,6 +3807,7 @@
           <a:p>
             <a:fld id="{DDA902F4-16CF-439F-A025-D05D80A21904}" type="slidenum">
               <a:rPr lang="en-US" smtClean="0"/>
+              <a:pPr/>
               <a:t>‹#›</a:t>
             </a:fld>
             <a:endParaRPr lang="en-US"/>
@@ -3863,7 +3879,8 @@
           <a:p>
             <a:fld id="{119D08E6-44D2-45FF-809D-8BF2D3D4E878}" type="datetimeFigureOut">
               <a:rPr lang="en-US" smtClean="0"/>
-              <a:t>4/17/2012</a:t>
+              <a:pPr/>
+              <a:t>4/24/2012</a:t>
             </a:fld>
             <a:endParaRPr lang="en-US"/>
           </a:p>
@@ -3905,6 +3922,7 @@
           <a:p>
             <a:fld id="{DDA902F4-16CF-439F-A025-D05D80A21904}" type="slidenum">
               <a:rPr lang="en-US" smtClean="0"/>
+              <a:pPr/>
               <a:t>‹#›</a:t>
             </a:fld>
             <a:endParaRPr lang="en-US"/>
@@ -4402,7 +4420,8 @@
           <a:p>
             <a:fld id="{119D08E6-44D2-45FF-809D-8BF2D3D4E878}" type="datetimeFigureOut">
               <a:rPr lang="en-US" smtClean="0"/>
-              <a:t>4/17/2012</a:t>
+              <a:pPr/>
+              <a:t>4/24/2012</a:t>
             </a:fld>
             <a:endParaRPr lang="en-US"/>
           </a:p>
@@ -4444,6 +4463,7 @@
           <a:p>
             <a:fld id="{DDA902F4-16CF-439F-A025-D05D80A21904}" type="slidenum">
               <a:rPr lang="en-US" smtClean="0"/>
+              <a:pPr/>
               <a:t>‹#›</a:t>
             </a:fld>
             <a:endParaRPr lang="en-US"/>
@@ -4515,7 +4535,8 @@
           <a:p>
             <a:fld id="{119D08E6-44D2-45FF-809D-8BF2D3D4E878}" type="datetimeFigureOut">
               <a:rPr lang="en-US" smtClean="0"/>
-              <a:t>4/17/2012</a:t>
+              <a:pPr/>
+              <a:t>4/24/2012</a:t>
             </a:fld>
             <a:endParaRPr lang="en-US"/>
           </a:p>
@@ -4557,6 +4578,7 @@
           <a:p>
             <a:fld id="{DDA902F4-16CF-439F-A025-D05D80A21904}" type="slidenum">
               <a:rPr lang="en-US" smtClean="0"/>
+              <a:pPr/>
               <a:t>‹#›</a:t>
             </a:fld>
             <a:endParaRPr lang="en-US"/>
@@ -4605,7 +4627,8 @@
           <a:p>
             <a:fld id="{119D08E6-44D2-45FF-809D-8BF2D3D4E878}" type="datetimeFigureOut">
               <a:rPr lang="en-US" smtClean="0"/>
-              <a:t>4/17/2012</a:t>
+              <a:pPr/>
+              <a:t>4/24/2012</a:t>
             </a:fld>
             <a:endParaRPr lang="en-US"/>
           </a:p>
@@ -4647,6 +4670,7 @@
           <a:p>
             <a:fld id="{DDA902F4-16CF-439F-A025-D05D80A21904}" type="slidenum">
               <a:rPr lang="en-US" smtClean="0"/>
+              <a:pPr/>
               <a:t>‹#›</a:t>
             </a:fld>
             <a:endParaRPr lang="en-US"/>
@@ -7256,7 +7280,8 @@
           <a:p>
             <a:fld id="{119D08E6-44D2-45FF-809D-8BF2D3D4E878}" type="datetimeFigureOut">
               <a:rPr lang="en-US" smtClean="0"/>
-              <a:t>4/17/2012</a:t>
+              <a:pPr/>
+              <a:t>4/24/2012</a:t>
             </a:fld>
             <a:endParaRPr lang="en-US"/>
           </a:p>
@@ -7279,6 +7304,7 @@
           <a:p>
             <a:fld id="{DDA902F4-16CF-439F-A025-D05D80A21904}" type="slidenum">
               <a:rPr lang="en-US" smtClean="0"/>
+              <a:pPr/>
               <a:t>‹#›</a:t>
             </a:fld>
             <a:endParaRPr lang="en-US"/>
@@ -10468,7 +10494,8 @@
           <a:p>
             <a:fld id="{119D08E6-44D2-45FF-809D-8BF2D3D4E878}" type="datetimeFigureOut">
               <a:rPr lang="en-US" smtClean="0"/>
-              <a:t>4/17/2012</a:t>
+              <a:pPr/>
+              <a:t>4/24/2012</a:t>
             </a:fld>
             <a:endParaRPr lang="en-US"/>
           </a:p>
@@ -10517,6 +10544,7 @@
           <a:p>
             <a:fld id="{DDA902F4-16CF-439F-A025-D05D80A21904}" type="slidenum">
               <a:rPr lang="en-US" smtClean="0"/>
+              <a:pPr/>
               <a:t>‹#›</a:t>
             </a:fld>
             <a:endParaRPr lang="en-US"/>
@@ -13290,7 +13318,8 @@
           <a:p>
             <a:fld id="{119D08E6-44D2-45FF-809D-8BF2D3D4E878}" type="datetimeFigureOut">
               <a:rPr lang="en-US" smtClean="0"/>
-              <a:t>4/17/2012</a:t>
+              <a:pPr/>
+              <a:t>4/24/2012</a:t>
             </a:fld>
             <a:endParaRPr lang="en-US"/>
           </a:p>
@@ -13364,6 +13393,7 @@
           <a:p>
             <a:fld id="{DDA902F4-16CF-439F-A025-D05D80A21904}" type="slidenum">
               <a:rPr lang="en-US" smtClean="0"/>
+              <a:pPr/>
               <a:t>‹#›</a:t>
             </a:fld>
             <a:endParaRPr lang="en-US"/>
@@ -13899,7 +13929,7 @@
         <p:spPr/>
         <p:txBody>
           <a:bodyPr>
-            <a:normAutofit fontScale="77500" lnSpcReduction="20000"/>
+            <a:normAutofit fontScale="70000" lnSpcReduction="20000"/>
           </a:bodyPr>
           <a:lstStyle/>
           <a:p>
@@ -13919,8 +13949,16 @@
             <a:pPr lvl="1"/>
             <a:r>
               <a:rPr lang="en-US" dirty="0" smtClean="0"/>
-              <a:t>Failure was clear and well defined</a:t>
-            </a:r>
+              <a:t>Failure was clear and well </a:t>
+            </a:r>
+            <a:r>
+              <a:rPr lang="en-US" dirty="0" smtClean="0"/>
+              <a:t>defined</a:t>
+            </a:r>
+          </a:p>
+          <a:p>
+            <a:pPr lvl="1"/>
+            <a:endParaRPr lang="en-US" dirty="0" smtClean="0"/>
           </a:p>
           <a:p>
             <a:r>
@@ -13932,14 +13970,29 @@
             <a:pPr lvl="1"/>
             <a:r>
               <a:rPr lang="en-US" dirty="0" smtClean="0"/>
-              <a:t>But only by half as much</a:t>
-            </a:r>
-          </a:p>
-          <a:p>
+              <a:t>But only by half as </a:t>
+            </a:r>
             <a:r>
               <a:rPr lang="en-US" dirty="0" smtClean="0"/>
-              <a:t>Is relativity proven?</a:t>
-            </a:r>
+              <a:t>much</a:t>
+            </a:r>
+          </a:p>
+          <a:p>
+            <a:pPr lvl="1"/>
+            <a:endParaRPr lang="en-US" dirty="0" smtClean="0"/>
+          </a:p>
+          <a:p>
+            <a:r>
+              <a:rPr lang="en-US" dirty="0" smtClean="0"/>
+              <a:t>Is relativity proven</a:t>
+            </a:r>
+            <a:r>
+              <a:rPr lang="en-US" dirty="0" smtClean="0"/>
+              <a:t>?</a:t>
+            </a:r>
+          </a:p>
+          <a:p>
+            <a:endParaRPr lang="en-US" dirty="0" smtClean="0"/>
           </a:p>
           <a:p>
             <a:r>
@@ -14010,6 +14063,293 @@
         </p:nvSpPr>
         <p:spPr/>
         <p:txBody>
+          <a:bodyPr>
+            <a:normAutofit fontScale="90000"/>
+          </a:bodyPr>
+          <a:lstStyle/>
+          <a:p>
+            <a:r>
+              <a:rPr lang="en-US" dirty="0" smtClean="0"/>
+              <a:t>Aside: Annular Eclipse May 20, 2012</a:t>
+            </a:r>
+            <a:endParaRPr lang="en-US" dirty="0"/>
+          </a:p>
+        </p:txBody>
+      </p:sp>
+      <p:pic>
+        <p:nvPicPr>
+          <p:cNvPr id="7" name="Content Placeholder 6" descr="map.jpg"/>
+          <p:cNvPicPr>
+            <a:picLocks noGrp="1" noChangeAspect="1"/>
+          </p:cNvPicPr>
+          <p:nvPr>
+            <p:ph sz="quarter" idx="13"/>
+          </p:nvPr>
+        </p:nvPicPr>
+        <p:blipFill>
+          <a:blip r:embed="rId2" cstate="print"/>
+          <a:stretch>
+            <a:fillRect/>
+          </a:stretch>
+        </p:blipFill>
+        <p:spPr>
+          <a:xfrm>
+            <a:off x="1042988" y="3060050"/>
+            <a:ext cx="3419475" cy="1999962"/>
+          </a:xfrm>
+        </p:spPr>
+      </p:pic>
+      <p:pic>
+        <p:nvPicPr>
+          <p:cNvPr id="9" name="Content Placeholder 8" descr="annular_eclipse.jpg"/>
+          <p:cNvPicPr>
+            <a:picLocks noGrp="1" noChangeAspect="1"/>
+          </p:cNvPicPr>
+          <p:nvPr>
+            <p:ph sz="quarter" idx="14"/>
+          </p:nvPr>
+        </p:nvPicPr>
+        <p:blipFill>
+          <a:blip r:embed="rId3" cstate="print"/>
+          <a:stretch>
+            <a:fillRect/>
+          </a:stretch>
+        </p:blipFill>
+        <p:spPr>
+          <a:xfrm>
+            <a:off x="4645025" y="2751241"/>
+            <a:ext cx="3419475" cy="2617581"/>
+          </a:xfrm>
+        </p:spPr>
+      </p:pic>
+    </p:spTree>
+  </p:cSld>
+  <p:clrMapOvr>
+    <a:masterClrMapping/>
+  </p:clrMapOvr>
+</p:sld>
+</file>
+
+<file path=ppt/slides/slide12.xml><?xml version="1.0" encoding="utf-8"?>
+<p:sld xmlns:a="http://schemas.openxmlformats.org/drawingml/2006/main" xmlns:r="http://schemas.openxmlformats.org/officeDocument/2006/relationships" xmlns:p="http://schemas.openxmlformats.org/presentationml/2006/main">
+  <p:cSld>
+    <p:spTree>
+      <p:nvGrpSpPr>
+        <p:cNvPr id="1" name=""/>
+        <p:cNvGrpSpPr/>
+        <p:nvPr/>
+      </p:nvGrpSpPr>
+      <p:grpSpPr>
+        <a:xfrm>
+          <a:off x="0" y="0"/>
+          <a:ext cx="0" cy="0"/>
+          <a:chOff x="0" y="0"/>
+          <a:chExt cx="0" cy="0"/>
+        </a:xfrm>
+      </p:grpSpPr>
+      <p:sp>
+        <p:nvSpPr>
+          <p:cNvPr id="2" name="Title 1"/>
+          <p:cNvSpPr>
+            <a:spLocks noGrp="1"/>
+          </p:cNvSpPr>
+          <p:nvPr>
+            <p:ph type="title"/>
+          </p:nvPr>
+        </p:nvSpPr>
+        <p:spPr/>
+        <p:txBody>
+          <a:bodyPr>
+            <a:normAutofit fontScale="90000"/>
+          </a:bodyPr>
+          <a:lstStyle/>
+          <a:p>
+            <a:r>
+              <a:rPr lang="en-US" dirty="0" smtClean="0"/>
+              <a:t>Ways To Work Around Correlation</a:t>
+            </a:r>
+            <a:endParaRPr lang="en-US" dirty="0"/>
+          </a:p>
+        </p:txBody>
+      </p:sp>
+      <p:sp>
+        <p:nvSpPr>
+          <p:cNvPr id="3" name="Content Placeholder 2"/>
+          <p:cNvSpPr>
+            <a:spLocks noGrp="1"/>
+          </p:cNvSpPr>
+          <p:nvPr>
+            <p:ph sz="quarter" idx="13"/>
+          </p:nvPr>
+        </p:nvSpPr>
+        <p:spPr/>
+        <p:txBody>
+          <a:bodyPr>
+            <a:normAutofit fontScale="55000" lnSpcReduction="20000"/>
+          </a:bodyPr>
+          <a:lstStyle/>
+          <a:p>
+            <a:endParaRPr lang="en-US" dirty="0" smtClean="0"/>
+          </a:p>
+          <a:p>
+            <a:r>
+              <a:rPr lang="en-US" dirty="0" smtClean="0"/>
+              <a:t>Learn A Lot About the System</a:t>
+            </a:r>
+          </a:p>
+          <a:p>
+            <a:pPr lvl="1"/>
+            <a:r>
+              <a:rPr lang="en-US" dirty="0" smtClean="0"/>
+              <a:t>Physicists have it easy</a:t>
+            </a:r>
+          </a:p>
+          <a:p>
+            <a:pPr lvl="1"/>
+            <a:r>
+              <a:rPr lang="en-US" dirty="0" smtClean="0"/>
+              <a:t>Biology and Weather are COMPLEX</a:t>
+            </a:r>
+            <a:endParaRPr lang="en-US" dirty="0" smtClean="0"/>
+          </a:p>
+          <a:p>
+            <a:pPr lvl="1"/>
+            <a:endParaRPr lang="en-US" dirty="0" smtClean="0"/>
+          </a:p>
+          <a:p>
+            <a:r>
+              <a:rPr lang="en-US" dirty="0" smtClean="0"/>
+              <a:t>Risky Predictions</a:t>
+            </a:r>
+          </a:p>
+          <a:p>
+            <a:pPr lvl="1"/>
+            <a:r>
+              <a:rPr lang="en-US" dirty="0" smtClean="0"/>
+              <a:t>Predicting the past</a:t>
+            </a:r>
+          </a:p>
+          <a:p>
+            <a:pPr lvl="1"/>
+            <a:endParaRPr lang="en-US" dirty="0" smtClean="0"/>
+          </a:p>
+          <a:p>
+            <a:r>
+              <a:rPr lang="en-US" dirty="0" smtClean="0"/>
+              <a:t>Reductionism</a:t>
+            </a:r>
+          </a:p>
+          <a:p>
+            <a:pPr lvl="1"/>
+            <a:r>
+              <a:rPr lang="en-US" dirty="0" smtClean="0"/>
+              <a:t>Break the problem into smaller parts</a:t>
+            </a:r>
+          </a:p>
+          <a:p>
+            <a:pPr lvl="1"/>
+            <a:r>
+              <a:rPr lang="en-US" dirty="0" smtClean="0"/>
+              <a:t>What do we know about</a:t>
+            </a:r>
+          </a:p>
+          <a:p>
+            <a:pPr lvl="2"/>
+            <a:r>
+              <a:rPr lang="en-US" dirty="0" smtClean="0"/>
+              <a:t>CO</a:t>
+            </a:r>
+            <a:r>
+              <a:rPr lang="en-US" baseline="-25000" dirty="0" smtClean="0"/>
+              <a:t>2</a:t>
+            </a:r>
+          </a:p>
+          <a:p>
+            <a:pPr lvl="2"/>
+            <a:r>
+              <a:rPr lang="en-US" dirty="0" smtClean="0"/>
+              <a:t>Warming Cycles</a:t>
+            </a:r>
+          </a:p>
+          <a:p>
+            <a:pPr lvl="2"/>
+            <a:r>
+              <a:rPr lang="en-US" dirty="0" smtClean="0"/>
+              <a:t>Weather Patterns</a:t>
+            </a:r>
+          </a:p>
+          <a:p>
+            <a:pPr lvl="2"/>
+            <a:r>
+              <a:rPr lang="en-US" dirty="0" smtClean="0"/>
+              <a:t>…</a:t>
+            </a:r>
+          </a:p>
+          <a:p>
+            <a:endParaRPr lang="en-US" dirty="0"/>
+          </a:p>
+        </p:txBody>
+      </p:sp>
+      <p:pic>
+        <p:nvPicPr>
+          <p:cNvPr id="5" name="Content Placeholder 4" descr="Carbon_cycle-cute_diagram (1).jpg"/>
+          <p:cNvPicPr>
+            <a:picLocks noGrp="1" noChangeAspect="1"/>
+          </p:cNvPicPr>
+          <p:nvPr>
+            <p:ph sz="quarter" idx="14"/>
+          </p:nvPr>
+        </p:nvPicPr>
+        <p:blipFill>
+          <a:blip r:embed="rId2" cstate="print"/>
+          <a:stretch>
+            <a:fillRect/>
+          </a:stretch>
+        </p:blipFill>
+        <p:spPr>
+          <a:xfrm>
+            <a:off x="4452161" y="2590800"/>
+            <a:ext cx="3612339" cy="2789529"/>
+          </a:xfrm>
+        </p:spPr>
+      </p:pic>
+    </p:spTree>
+  </p:cSld>
+  <p:clrMapOvr>
+    <a:masterClrMapping/>
+  </p:clrMapOvr>
+</p:sld>
+</file>
+
+<file path=ppt/slides/slide13.xml><?xml version="1.0" encoding="utf-8"?>
+<p:sld xmlns:a="http://schemas.openxmlformats.org/drawingml/2006/main" xmlns:r="http://schemas.openxmlformats.org/officeDocument/2006/relationships" xmlns:p="http://schemas.openxmlformats.org/presentationml/2006/main">
+  <p:cSld>
+    <p:spTree>
+      <p:nvGrpSpPr>
+        <p:cNvPr id="1" name=""/>
+        <p:cNvGrpSpPr/>
+        <p:nvPr/>
+      </p:nvGrpSpPr>
+      <p:grpSpPr>
+        <a:xfrm>
+          <a:off x="0" y="0"/>
+          <a:ext cx="0" cy="0"/>
+          <a:chOff x="0" y="0"/>
+          <a:chExt cx="0" cy="0"/>
+        </a:xfrm>
+      </p:grpSpPr>
+      <p:sp>
+        <p:nvSpPr>
+          <p:cNvPr id="5" name="Title 4"/>
+          <p:cNvSpPr>
+            <a:spLocks noGrp="1"/>
+          </p:cNvSpPr>
+          <p:nvPr>
+            <p:ph type="title"/>
+          </p:nvPr>
+        </p:nvSpPr>
+        <p:spPr/>
+        <p:txBody>
           <a:bodyPr/>
           <a:lstStyle/>
           <a:p>
@@ -14038,7 +14378,11 @@
           <a:p>
             <a:r>
               <a:rPr lang="en-US" dirty="0" smtClean="0"/>
-              <a:t>A Semi-Practical Approach</a:t>
+              <a:t>A Semi-Practical </a:t>
+            </a:r>
+            <a:r>
+              <a:rPr lang="en-US" dirty="0" smtClean="0"/>
+              <a:t>Approach For A Good Citizen</a:t>
             </a:r>
             <a:endParaRPr lang="en-US" dirty="0"/>
           </a:p>
@@ -14047,7 +14391,7 @@
     </p:spTree>
     <p:extLst>
       <p:ext uri="{BB962C8B-B14F-4D97-AF65-F5344CB8AC3E}">
-        <p14:creationId xmlns:p14="http://schemas.microsoft.com/office/powerpoint/2010/main" val="1189278387"/>
+        <p14:creationId xmlns:p14="http://schemas.microsoft.com/office/powerpoint/2010/main" xmlns="" val="1189278387"/>
       </p:ext>
     </p:extLst>
   </p:cSld>
@@ -14057,7 +14401,7 @@
 </p:sld>
 </file>
 
-<file path=ppt/slides/slide12.xml><?xml version="1.0" encoding="utf-8"?>
+<file path=ppt/slides/slide14.xml><?xml version="1.0" encoding="utf-8"?>
 <p:sld xmlns:a="http://schemas.openxmlformats.org/drawingml/2006/main" xmlns:r="http://schemas.openxmlformats.org/officeDocument/2006/relationships" xmlns:p="http://schemas.openxmlformats.org/presentationml/2006/main">
   <p:cSld>
     <p:spTree>
@@ -14209,7 +14553,7 @@
 </p:sld>
 </file>
 
-<file path=ppt/slides/slide13.xml><?xml version="1.0" encoding="utf-8"?>
+<file path=ppt/slides/slide15.xml><?xml version="1.0" encoding="utf-8"?>
 <p:sld xmlns:a="http://schemas.openxmlformats.org/drawingml/2006/main" xmlns:r="http://schemas.openxmlformats.org/officeDocument/2006/relationships" xmlns:p="http://schemas.openxmlformats.org/presentationml/2006/main">
   <p:cSld>
     <p:spTree>
@@ -14238,7 +14582,7 @@
         </p:nvSpPr>
         <p:spPr>
           <a:xfrm>
-            <a:off x="381000" y="304800"/>
+            <a:off x="595256" y="304800"/>
             <a:ext cx="7024744" cy="1143000"/>
           </a:xfrm>
         </p:spPr>
@@ -14386,7 +14730,7 @@
 </p:sld>
 </file>
 
-<file path=ppt/slides/slide14.xml><?xml version="1.0" encoding="utf-8"?>
+<file path=ppt/slides/slide16.xml><?xml version="1.0" encoding="utf-8"?>
 <p:sld xmlns:a="http://schemas.openxmlformats.org/drawingml/2006/main" xmlns:r="http://schemas.openxmlformats.org/officeDocument/2006/relationships" xmlns:p="http://schemas.openxmlformats.org/presentationml/2006/main">
   <p:cSld>
     <p:spTree>
@@ -14441,7 +14785,7 @@
         <p:spPr/>
         <p:txBody>
           <a:bodyPr>
-            <a:normAutofit fontScale="85000" lnSpcReduction="10000"/>
+            <a:normAutofit fontScale="77500" lnSpcReduction="20000"/>
           </a:bodyPr>
           <a:lstStyle/>
           <a:p>
@@ -14475,14 +14819,29 @@
             <a:pPr lvl="2"/>
             <a:r>
               <a:rPr lang="en-US" dirty="0" smtClean="0"/>
-              <a:t>Basic Principles</a:t>
-            </a:r>
-          </a:p>
-          <a:p>
+              <a:t>Basic </a:t>
+            </a:r>
             <a:r>
               <a:rPr lang="en-US" dirty="0" smtClean="0"/>
-              <a:t>NOT – would I like to believe it.</a:t>
-            </a:r>
+              <a:t>Principles</a:t>
+            </a:r>
+          </a:p>
+          <a:p>
+            <a:pPr lvl="2"/>
+            <a:endParaRPr lang="en-US" dirty="0" smtClean="0"/>
+          </a:p>
+          <a:p>
+            <a:r>
+              <a:rPr lang="en-US" dirty="0" smtClean="0"/>
+              <a:t>NOT – would I like to believe it</a:t>
+            </a:r>
+            <a:r>
+              <a:rPr lang="en-US" dirty="0" smtClean="0"/>
+              <a:t>.</a:t>
+            </a:r>
+          </a:p>
+          <a:p>
+            <a:endParaRPr lang="en-US" dirty="0" smtClean="0"/>
           </a:p>
           <a:p>
             <a:r>
@@ -14515,7 +14874,11 @@
             <a:pPr lvl="1"/>
             <a:r>
               <a:rPr lang="en-US" dirty="0" smtClean="0"/>
-              <a:t>Nor is arguments about financial cost</a:t>
+              <a:t>Neither are arguments </a:t>
+            </a:r>
+            <a:r>
+              <a:rPr lang="en-US" dirty="0" smtClean="0"/>
+              <a:t>about financial cost</a:t>
             </a:r>
           </a:p>
           <a:p>
@@ -14534,7 +14897,7 @@
 </p:sld>
 </file>
 
-<file path=ppt/slides/slide15.xml><?xml version="1.0" encoding="utf-8"?>
+<file path=ppt/slides/slide17.xml><?xml version="1.0" encoding="utf-8"?>
 <p:sld xmlns:a="http://schemas.openxmlformats.org/drawingml/2006/main" xmlns:r="http://schemas.openxmlformats.org/officeDocument/2006/relationships" xmlns:p="http://schemas.openxmlformats.org/presentationml/2006/main">
   <p:cSld>
     <p:spTree>
@@ -14589,7 +14952,7 @@
         <p:spPr/>
         <p:txBody>
           <a:bodyPr>
-            <a:normAutofit fontScale="92500" lnSpcReduction="10000"/>
+            <a:normAutofit fontScale="70000" lnSpcReduction="20000"/>
           </a:bodyPr>
           <a:lstStyle/>
           <a:p>
@@ -14601,8 +14964,13 @@
           <a:p>
             <a:r>
               <a:rPr lang="en-US" dirty="0" smtClean="0"/>
-              <a:t>American Cancer Society</a:t>
-            </a:r>
+              <a:t>American Cancer </a:t>
+            </a:r>
+            <a:r>
+              <a:rPr lang="en-US" dirty="0" smtClean="0"/>
+              <a:t>Society?</a:t>
+            </a:r>
+            <a:endParaRPr lang="en-US" dirty="0" smtClean="0"/>
           </a:p>
           <a:p>
             <a:endParaRPr lang="en-US" dirty="0" smtClean="0"/>
@@ -14616,7 +14984,26 @@
           <a:p>
             <a:r>
               <a:rPr lang="en-US" dirty="0" smtClean="0"/>
-              <a:t>Average citizen ?</a:t>
+              <a:t>Average citizen </a:t>
+            </a:r>
+            <a:r>
+              <a:rPr lang="en-US" dirty="0" smtClean="0"/>
+              <a:t>?</a:t>
+            </a:r>
+          </a:p>
+          <a:p>
+            <a:endParaRPr lang="en-US" dirty="0" smtClean="0"/>
+          </a:p>
+          <a:p>
+            <a:r>
+              <a:rPr lang="en-US" dirty="0" smtClean="0"/>
+              <a:t>Men have a lot to lose in gender inequality</a:t>
+            </a:r>
+          </a:p>
+          <a:p>
+            <a:r>
+              <a:rPr lang="en-US" dirty="0" smtClean="0"/>
+              <a:t>Women?</a:t>
             </a:r>
             <a:endParaRPr lang="en-US" dirty="0"/>
           </a:p>
@@ -14636,10 +15023,10 @@
           </p:nvPr>
         </p:nvPicPr>
         <p:blipFill>
-          <a:blip r:embed="rId2">
+          <a:blip r:embed="rId2" cstate="print">
             <a:extLst>
               <a:ext uri="{28A0092B-C50C-407E-A947-70E740481C1C}">
-                <a14:useLocalDpi xmlns:a14="http://schemas.microsoft.com/office/drawing/2010/main" val="0"/>
+                <a14:useLocalDpi xmlns:a14="http://schemas.microsoft.com/office/drawing/2010/main" xmlns="" val="0"/>
               </a:ext>
             </a:extLst>
           </a:blip>
@@ -14663,10 +15050,10 @@
           <p:nvPr/>
         </p:nvPicPr>
         <p:blipFill>
-          <a:blip r:embed="rId3">
+          <a:blip r:embed="rId3" cstate="print">
             <a:extLst>
               <a:ext uri="{28A0092B-C50C-407E-A947-70E740481C1C}">
-                <a14:useLocalDpi xmlns:a14="http://schemas.microsoft.com/office/drawing/2010/main" val="0"/>
+                <a14:useLocalDpi xmlns:a14="http://schemas.microsoft.com/office/drawing/2010/main" xmlns="" val="0"/>
               </a:ext>
             </a:extLst>
           </a:blip>
@@ -14687,337 +15074,9 @@
     </p:spTree>
     <p:extLst>
       <p:ext uri="{BB962C8B-B14F-4D97-AF65-F5344CB8AC3E}">
-        <p14:creationId xmlns:p14="http://schemas.microsoft.com/office/powerpoint/2010/main" val="448407623"/>
+        <p14:creationId xmlns:p14="http://schemas.microsoft.com/office/powerpoint/2010/main" xmlns="" val="448407623"/>
       </p:ext>
     </p:extLst>
-  </p:cSld>
-  <p:clrMapOvr>
-    <a:masterClrMapping/>
-  </p:clrMapOvr>
-</p:sld>
-</file>
-
-<file path=ppt/slides/slide16.xml><?xml version="1.0" encoding="utf-8"?>
-<p:sld xmlns:a="http://schemas.openxmlformats.org/drawingml/2006/main" xmlns:r="http://schemas.openxmlformats.org/officeDocument/2006/relationships" xmlns:p="http://schemas.openxmlformats.org/presentationml/2006/main">
-  <p:cSld>
-    <p:spTree>
-      <p:nvGrpSpPr>
-        <p:cNvPr id="1" name=""/>
-        <p:cNvGrpSpPr/>
-        <p:nvPr/>
-      </p:nvGrpSpPr>
-      <p:grpSpPr>
-        <a:xfrm>
-          <a:off x="0" y="0"/>
-          <a:ext cx="0" cy="0"/>
-          <a:chOff x="0" y="0"/>
-          <a:chExt cx="0" cy="0"/>
-        </a:xfrm>
-      </p:grpSpPr>
-      <p:sp>
-        <p:nvSpPr>
-          <p:cNvPr id="2" name="Title 1"/>
-          <p:cNvSpPr>
-            <a:spLocks noGrp="1"/>
-          </p:cNvSpPr>
-          <p:nvPr>
-            <p:ph type="title"/>
-          </p:nvPr>
-        </p:nvSpPr>
-        <p:spPr/>
-        <p:txBody>
-          <a:bodyPr/>
-          <a:lstStyle/>
-          <a:p>
-            <a:r>
-              <a:rPr lang="en-US" dirty="0" smtClean="0"/>
-              <a:t>How Big Is Your Data?</a:t>
-            </a:r>
-            <a:endParaRPr lang="en-US" dirty="0"/>
-          </a:p>
-        </p:txBody>
-      </p:sp>
-      <p:sp>
-        <p:nvSpPr>
-          <p:cNvPr id="6" name="Text Placeholder 5"/>
-          <p:cNvSpPr>
-            <a:spLocks noGrp="1"/>
-          </p:cNvSpPr>
-          <p:nvPr>
-            <p:ph type="body" idx="1"/>
-          </p:nvPr>
-        </p:nvSpPr>
-        <p:spPr/>
-        <p:txBody>
-          <a:bodyPr/>
-          <a:lstStyle/>
-          <a:p>
-            <a:r>
-              <a:rPr lang="en-US" dirty="0" smtClean="0"/>
-              <a:t>My Data Is Bigger Than Your Data?</a:t>
-            </a:r>
-            <a:endParaRPr lang="en-US" dirty="0"/>
-          </a:p>
-        </p:txBody>
-      </p:sp>
-    </p:spTree>
-  </p:cSld>
-  <p:clrMapOvr>
-    <a:masterClrMapping/>
-  </p:clrMapOvr>
-</p:sld>
-</file>
-
-<file path=ppt/slides/slide17.xml><?xml version="1.0" encoding="utf-8"?>
-<p:sld xmlns:a="http://schemas.openxmlformats.org/drawingml/2006/main" xmlns:r="http://schemas.openxmlformats.org/officeDocument/2006/relationships" xmlns:p="http://schemas.openxmlformats.org/presentationml/2006/main">
-  <p:cSld>
-    <p:spTree>
-      <p:nvGrpSpPr>
-        <p:cNvPr id="1" name=""/>
-        <p:cNvGrpSpPr/>
-        <p:nvPr/>
-      </p:nvGrpSpPr>
-      <p:grpSpPr>
-        <a:xfrm>
-          <a:off x="0" y="0"/>
-          <a:ext cx="0" cy="0"/>
-          <a:chOff x="0" y="0"/>
-          <a:chExt cx="0" cy="0"/>
-        </a:xfrm>
-      </p:grpSpPr>
-      <p:sp>
-        <p:nvSpPr>
-          <p:cNvPr id="4" name="Title 3"/>
-          <p:cNvSpPr>
-            <a:spLocks noGrp="1"/>
-          </p:cNvSpPr>
-          <p:nvPr>
-            <p:ph type="title"/>
-          </p:nvPr>
-        </p:nvSpPr>
-        <p:spPr/>
-        <p:txBody>
-          <a:bodyPr/>
-          <a:lstStyle/>
-          <a:p>
-            <a:r>
-              <a:rPr lang="en-US" dirty="0" smtClean="0"/>
-              <a:t>Top 10 Databases in 2010</a:t>
-            </a:r>
-            <a:endParaRPr lang="en-US" dirty="0"/>
-          </a:p>
-        </p:txBody>
-      </p:sp>
-      <p:sp>
-        <p:nvSpPr>
-          <p:cNvPr id="5" name="Content Placeholder 4"/>
-          <p:cNvSpPr>
-            <a:spLocks noGrp="1"/>
-          </p:cNvSpPr>
-          <p:nvPr>
-            <p:ph sz="quarter" idx="13"/>
-          </p:nvPr>
-        </p:nvSpPr>
-        <p:spPr/>
-        <p:txBody>
-          <a:bodyPr>
-            <a:normAutofit fontScale="62500" lnSpcReduction="20000"/>
-          </a:bodyPr>
-          <a:lstStyle/>
-          <a:p>
-            <a:pPr marL="514350" indent="-514350">
-              <a:buFont typeface="+mj-lt"/>
-              <a:buAutoNum type="arabicPeriod"/>
-            </a:pPr>
-            <a:r>
-              <a:rPr lang="en-US" b="1" dirty="0"/>
-              <a:t>World Data Centre for </a:t>
-            </a:r>
-            <a:r>
-              <a:rPr lang="en-US" b="1" dirty="0" smtClean="0"/>
-              <a:t>Climate (6.2 PB)</a:t>
-            </a:r>
-            <a:endParaRPr lang="en-US" b="1" dirty="0"/>
-          </a:p>
-          <a:p>
-            <a:pPr marL="514350" indent="-514350">
-              <a:buFont typeface="+mj-lt"/>
-              <a:buAutoNum type="arabicPeriod"/>
-            </a:pPr>
-            <a:r>
-              <a:rPr lang="en-US" b="1" dirty="0"/>
-              <a:t>National Energy Research Scientific Computing </a:t>
-            </a:r>
-            <a:r>
-              <a:rPr lang="en-US" b="1" dirty="0" smtClean="0"/>
-              <a:t>Center (2.6 PB)</a:t>
-            </a:r>
-            <a:endParaRPr lang="en-US" b="1" dirty="0"/>
-          </a:p>
-          <a:p>
-            <a:pPr marL="514350" indent="-514350">
-              <a:buFont typeface="+mj-lt"/>
-              <a:buAutoNum type="arabicPeriod"/>
-            </a:pPr>
-            <a:r>
-              <a:rPr lang="en-US" b="1" dirty="0" smtClean="0"/>
-              <a:t>AT&amp;T (323 TB)</a:t>
-            </a:r>
-            <a:endParaRPr lang="en-US" b="1" dirty="0"/>
-          </a:p>
-          <a:p>
-            <a:pPr marL="514350" indent="-514350">
-              <a:buFont typeface="+mj-lt"/>
-              <a:buAutoNum type="arabicPeriod"/>
-            </a:pPr>
-            <a:r>
-              <a:rPr lang="en-US" b="1" dirty="0" smtClean="0"/>
-              <a:t>Google (91 million searches, 50% of searches)</a:t>
-            </a:r>
-            <a:endParaRPr lang="en-US" b="1" dirty="0"/>
-          </a:p>
-          <a:p>
-            <a:pPr marL="514350" indent="-514350">
-              <a:buFont typeface="+mj-lt"/>
-              <a:buAutoNum type="arabicPeriod"/>
-            </a:pPr>
-            <a:r>
-              <a:rPr lang="en-US" b="1" dirty="0" smtClean="0"/>
-              <a:t>Sprint (2.85 Trillion Records)</a:t>
-            </a:r>
-          </a:p>
-          <a:p>
-            <a:pPr marL="514350" indent="-514350">
-              <a:buFont typeface="+mj-lt"/>
-              <a:buAutoNum type="arabicPeriod"/>
-            </a:pPr>
-            <a:r>
-              <a:rPr lang="en-US" b="1" dirty="0" err="1" smtClean="0"/>
-              <a:t>ChoicePoint</a:t>
-            </a:r>
-            <a:r>
-              <a:rPr lang="en-US" b="1" dirty="0" smtClean="0"/>
-              <a:t> (250 TB)</a:t>
-            </a:r>
-            <a:endParaRPr lang="en-US" b="1" dirty="0"/>
-          </a:p>
-          <a:p>
-            <a:pPr marL="514350" indent="-514350">
-              <a:buFont typeface="+mj-lt"/>
-              <a:buAutoNum type="arabicPeriod"/>
-            </a:pPr>
-            <a:r>
-              <a:rPr lang="en-US" b="1" dirty="0" smtClean="0"/>
-              <a:t>YouTube (45 TB)</a:t>
-            </a:r>
-            <a:endParaRPr lang="en-US" b="1" dirty="0"/>
-          </a:p>
-          <a:p>
-            <a:pPr marL="514350" indent="-514350">
-              <a:buFont typeface="+mj-lt"/>
-              <a:buAutoNum type="arabicPeriod"/>
-            </a:pPr>
-            <a:r>
-              <a:rPr lang="en-US" b="1" dirty="0" smtClean="0"/>
-              <a:t>Amazon (42 TB)</a:t>
-            </a:r>
-            <a:endParaRPr lang="en-US" b="1" dirty="0"/>
-          </a:p>
-          <a:p>
-            <a:pPr marL="514350" indent="-514350">
-              <a:buFont typeface="+mj-lt"/>
-              <a:buAutoNum type="arabicPeriod"/>
-            </a:pPr>
-            <a:r>
-              <a:rPr lang="en-US" b="1" dirty="0"/>
-              <a:t>Central Intelligence </a:t>
-            </a:r>
-            <a:r>
-              <a:rPr lang="en-US" b="1" dirty="0" smtClean="0"/>
-              <a:t>Agency (?? How does he know?)</a:t>
-            </a:r>
-            <a:endParaRPr lang="en-US" b="1" dirty="0"/>
-          </a:p>
-          <a:p>
-            <a:pPr marL="514350" indent="-514350">
-              <a:buFont typeface="+mj-lt"/>
-              <a:buAutoNum type="arabicPeriod"/>
-            </a:pPr>
-            <a:r>
-              <a:rPr lang="en-US" b="1" dirty="0"/>
-              <a:t>Library of </a:t>
-            </a:r>
-            <a:r>
-              <a:rPr lang="en-US" b="1" dirty="0" smtClean="0"/>
-              <a:t>Congress (20TB)</a:t>
-            </a:r>
-            <a:endParaRPr lang="en-US" b="1" dirty="0"/>
-          </a:p>
-          <a:p>
-            <a:pPr marL="514350" indent="-514350">
-              <a:buFont typeface="+mj-lt"/>
-              <a:buAutoNum type="arabicPeriod"/>
-            </a:pPr>
-            <a:endParaRPr lang="en-US" dirty="0"/>
-          </a:p>
-        </p:txBody>
-      </p:sp>
-      <p:sp>
-        <p:nvSpPr>
-          <p:cNvPr id="6" name="Content Placeholder 5"/>
-          <p:cNvSpPr>
-            <a:spLocks noGrp="1"/>
-          </p:cNvSpPr>
-          <p:nvPr>
-            <p:ph sz="quarter" idx="14"/>
-          </p:nvPr>
-        </p:nvSpPr>
-        <p:spPr/>
-        <p:txBody>
-          <a:bodyPr>
-            <a:normAutofit/>
-          </a:bodyPr>
-          <a:lstStyle/>
-          <a:p>
-            <a:r>
-              <a:rPr lang="en-US" dirty="0" smtClean="0"/>
-              <a:t>What is the correct way to compare this?</a:t>
-            </a:r>
-          </a:p>
-          <a:p>
-            <a:pPr lvl="1"/>
-            <a:r>
-              <a:rPr lang="en-US" dirty="0" smtClean="0"/>
-              <a:t>Volume?</a:t>
-            </a:r>
-          </a:p>
-          <a:p>
-            <a:pPr lvl="1"/>
-            <a:r>
-              <a:rPr lang="en-US" dirty="0" smtClean="0"/>
-              <a:t>Objects?</a:t>
-            </a:r>
-          </a:p>
-          <a:p>
-            <a:pPr lvl="1"/>
-            <a:r>
-              <a:rPr lang="en-US" dirty="0" smtClean="0"/>
-              <a:t>Impact?</a:t>
-            </a:r>
-          </a:p>
-          <a:p>
-            <a:r>
-              <a:rPr lang="en-US" dirty="0" smtClean="0"/>
-              <a:t>How much data world wide?</a:t>
-            </a:r>
-          </a:p>
-          <a:p>
-            <a:pPr lvl="1"/>
-            <a:endParaRPr lang="en-US" dirty="0" smtClean="0"/>
-          </a:p>
-        </p:txBody>
-      </p:sp>
-    </p:spTree>
   </p:cSld>
   <p:clrMapOvr>
     <a:masterClrMapping/>
@@ -15042,6 +15101,31 @@
           <a:chExt cx="0" cy="0"/>
         </a:xfrm>
       </p:grpSpPr>
+      <p:pic>
+        <p:nvPicPr>
+          <p:cNvPr id="7" name="Picture 6" descr="bug_darwin.jpg"/>
+          <p:cNvPicPr>
+            <a:picLocks noChangeAspect="1"/>
+          </p:cNvPicPr>
+          <p:nvPr/>
+        </p:nvPicPr>
+        <p:blipFill>
+          <a:blip r:embed="rId2" cstate="print"/>
+          <a:srcRect t="9677" b="9677"/>
+          <a:stretch>
+            <a:fillRect/>
+          </a:stretch>
+        </p:blipFill>
+        <p:spPr>
+          <a:xfrm>
+            <a:off x="6172200" y="3962400"/>
+            <a:ext cx="2362200" cy="1905000"/>
+          </a:xfrm>
+          <a:prstGeom prst="rect">
+            <a:avLst/>
+          </a:prstGeom>
+        </p:spPr>
+      </p:pic>
       <p:sp>
         <p:nvSpPr>
           <p:cNvPr id="2" name="Title 1"/>
@@ -15054,91 +15138,143 @@
         </p:nvSpPr>
         <p:spPr/>
         <p:txBody>
-          <a:bodyPr/>
+          <a:bodyPr>
+            <a:normAutofit fontScale="90000"/>
+          </a:bodyPr>
           <a:lstStyle/>
           <a:p>
             <a:r>
               <a:rPr lang="en-US" dirty="0" smtClean="0"/>
-              <a:t>Little Big Data</a:t>
+              <a:t>Is The Discussion Even Really Relevant?</a:t>
             </a:r>
             <a:endParaRPr lang="en-US" dirty="0"/>
           </a:p>
         </p:txBody>
       </p:sp>
-      <p:sp>
-        <p:nvSpPr>
-          <p:cNvPr id="3" name="Content Placeholder 2"/>
-          <p:cNvSpPr>
-            <a:spLocks noGrp="1"/>
-          </p:cNvSpPr>
-          <p:nvPr>
-            <p:ph sz="quarter" idx="13"/>
-          </p:nvPr>
-        </p:nvSpPr>
-        <p:spPr/>
-        <p:txBody>
-          <a:bodyPr/>
-          <a:lstStyle/>
-          <a:p>
-            <a:r>
-              <a:rPr lang="en-US" dirty="0" smtClean="0"/>
-              <a:t>The Top 10 Databases account for </a:t>
-            </a:r>
-          </a:p>
-          <a:p>
-            <a:pPr lvl="1">
-              <a:buNone/>
-            </a:pPr>
-            <a:endParaRPr lang="en-US" dirty="0" smtClean="0"/>
-          </a:p>
-          <a:p>
-            <a:pPr lvl="1">
-              <a:buNone/>
-            </a:pPr>
-            <a:r>
-              <a:rPr lang="en-US" dirty="0" smtClean="0"/>
-              <a:t>0.0034% of Global Storage</a:t>
-            </a:r>
-            <a:endParaRPr lang="en-US" dirty="0"/>
-          </a:p>
-        </p:txBody>
-      </p:sp>
-      <p:sp>
-        <p:nvSpPr>
-          <p:cNvPr id="4" name="Content Placeholder 3"/>
-          <p:cNvSpPr>
-            <a:spLocks noGrp="1"/>
-          </p:cNvSpPr>
-          <p:nvPr>
-            <p:ph sz="quarter" idx="14"/>
-          </p:nvPr>
-        </p:nvSpPr>
-        <p:spPr/>
-        <p:txBody>
-          <a:bodyPr/>
-          <a:lstStyle/>
-          <a:p>
-            <a:r>
-              <a:rPr lang="en-US" dirty="0" smtClean="0"/>
-              <a:t>Big Data Really Isn’t That Big</a:t>
-            </a:r>
-          </a:p>
-          <a:p>
-            <a:r>
-              <a:rPr lang="en-US" dirty="0" smtClean="0"/>
-              <a:t>But the problem is interesting</a:t>
-            </a:r>
-          </a:p>
-          <a:p>
-            <a:pPr lvl="1"/>
-            <a:r>
-              <a:rPr lang="en-US" dirty="0" smtClean="0"/>
-              <a:t>How do we link all this data together?</a:t>
-            </a:r>
-            <a:endParaRPr lang="en-US" dirty="0"/>
-          </a:p>
-        </p:txBody>
-      </p:sp>
+      <p:pic>
+        <p:nvPicPr>
+          <p:cNvPr id="8" name="Picture 7" descr="Darwin Fish.jpg"/>
+          <p:cNvPicPr>
+            <a:picLocks noChangeAspect="1"/>
+          </p:cNvPicPr>
+          <p:nvPr/>
+        </p:nvPicPr>
+        <p:blipFill>
+          <a:blip r:embed="rId3" cstate="print"/>
+          <a:srcRect l="9600" t="30400" r="10400" b="31200"/>
+          <a:stretch>
+            <a:fillRect/>
+          </a:stretch>
+        </p:blipFill>
+        <p:spPr>
+          <a:xfrm>
+            <a:off x="3657600" y="3657600"/>
+            <a:ext cx="2514600" cy="1207008"/>
+          </a:xfrm>
+          <a:prstGeom prst="rect">
+            <a:avLst/>
+          </a:prstGeom>
+        </p:spPr>
+      </p:pic>
+      <p:pic>
+        <p:nvPicPr>
+          <p:cNvPr id="9" name="Picture 8" descr="Jesus fish 1.jpg"/>
+          <p:cNvPicPr>
+            <a:picLocks noChangeAspect="1"/>
+          </p:cNvPicPr>
+          <p:nvPr/>
+        </p:nvPicPr>
+        <p:blipFill>
+          <a:blip r:embed="rId4" cstate="print"/>
+          <a:srcRect l="4000" t="9338" b="9728"/>
+          <a:stretch>
+            <a:fillRect/>
+          </a:stretch>
+        </p:blipFill>
+        <p:spPr>
+          <a:xfrm>
+            <a:off x="5257800" y="1981200"/>
+            <a:ext cx="2672862" cy="1447800"/>
+          </a:xfrm>
+          <a:prstGeom prst="rect">
+            <a:avLst/>
+          </a:prstGeom>
+        </p:spPr>
+      </p:pic>
+      <p:pic>
+        <p:nvPicPr>
+          <p:cNvPr id="5" name="Picture 4" descr="darwin-fish.jpg"/>
+          <p:cNvPicPr>
+            <a:picLocks noChangeAspect="1"/>
+          </p:cNvPicPr>
+          <p:nvPr/>
+        </p:nvPicPr>
+        <p:blipFill>
+          <a:blip r:embed="rId5" cstate="print"/>
+          <a:stretch>
+            <a:fillRect/>
+          </a:stretch>
+        </p:blipFill>
+        <p:spPr>
+          <a:xfrm>
+            <a:off x="990600" y="2667000"/>
+            <a:ext cx="3190875" cy="1228725"/>
+          </a:xfrm>
+          <a:prstGeom prst="rect">
+            <a:avLst/>
+          </a:prstGeom>
+        </p:spPr>
+      </p:pic>
+      <p:pic>
+        <p:nvPicPr>
+          <p:cNvPr id="6" name="Picture 5" descr="FSM Large.jpg"/>
+          <p:cNvPicPr>
+            <a:picLocks noChangeAspect="1"/>
+          </p:cNvPicPr>
+          <p:nvPr/>
+        </p:nvPicPr>
+        <p:blipFill>
+          <a:blip r:embed="rId6" cstate="print"/>
+          <a:srcRect t="21000" r="4000" b="19000"/>
+          <a:stretch>
+            <a:fillRect/>
+          </a:stretch>
+        </p:blipFill>
+        <p:spPr>
+          <a:xfrm>
+            <a:off x="990600" y="3886200"/>
+            <a:ext cx="2438400" cy="1524000"/>
+          </a:xfrm>
+          <a:prstGeom prst="rect">
+            <a:avLst/>
+          </a:prstGeom>
+        </p:spPr>
+      </p:pic>
+      <p:pic>
+        <p:nvPicPr>
+          <p:cNvPr id="10" name="Picture 9" descr="f_1168662.jpg"/>
+          <p:cNvPicPr>
+            <a:picLocks noChangeAspect="1"/>
+          </p:cNvPicPr>
+          <p:nvPr/>
+        </p:nvPicPr>
+        <p:blipFill>
+          <a:blip r:embed="rId7" cstate="print"/>
+          <a:srcRect l="3500" t="26000" r="3500" b="26000"/>
+          <a:stretch>
+            <a:fillRect/>
+          </a:stretch>
+        </p:blipFill>
+        <p:spPr>
+          <a:xfrm>
+            <a:off x="3048000" y="5105400"/>
+            <a:ext cx="2952750" cy="1143000"/>
+          </a:xfrm>
+          <a:prstGeom prst="rect">
+            <a:avLst/>
+          </a:prstGeom>
+        </p:spPr>
+      </p:pic>
     </p:spTree>
   </p:cSld>
   <p:clrMapOvr>
@@ -15174,19 +15310,14 @@
             <p:ph type="title"/>
           </p:nvPr>
         </p:nvSpPr>
-        <p:spPr>
-          <a:xfrm>
-            <a:off x="838200" y="609600"/>
-            <a:ext cx="7024744" cy="1143000"/>
-          </a:xfrm>
-        </p:spPr>
+        <p:spPr/>
         <p:txBody>
           <a:bodyPr/>
           <a:lstStyle/>
           <a:p>
             <a:r>
               <a:rPr lang="en-US" dirty="0" smtClean="0"/>
-              <a:t>Big Impact of Small Data</a:t>
+              <a:t>Is The Theory Testable?</a:t>
             </a:r>
             <a:endParaRPr lang="en-US" dirty="0"/>
           </a:p>
@@ -15205,69 +15336,245 @@
         <p:spPr/>
         <p:txBody>
           <a:bodyPr>
-            <a:normAutofit fontScale="92500" lnSpcReduction="20000"/>
+            <a:normAutofit fontScale="70000" lnSpcReduction="20000"/>
           </a:bodyPr>
           <a:lstStyle/>
           <a:p>
             <a:r>
-              <a:rPr lang="en-US" dirty="0" smtClean="0">
-                <a:hlinkClick r:id="rId2"/>
-              </a:rPr>
-              <a:t>http://www.youtube.com/watch?v=heaK44PW5ko&amp;feature=g-all-s&amp;context=G263cc50FAAAAAAAAAAA</a:t>
-            </a:r>
+              <a:rPr lang="en-US" dirty="0" smtClean="0"/>
+              <a:t>Is Global Warming Testable?</a:t>
+            </a:r>
+          </a:p>
+          <a:p>
+            <a:pPr lvl="1"/>
+            <a:r>
+              <a:rPr lang="en-US" dirty="0" smtClean="0"/>
+              <a:t>What are we testing?</a:t>
+            </a:r>
+          </a:p>
+          <a:p>
+            <a:pPr lvl="1"/>
             <a:endParaRPr lang="en-US" dirty="0" smtClean="0"/>
           </a:p>
           <a:p>
             <a:r>
-              <a:rPr lang="en-US" dirty="0" smtClean="0">
-                <a:hlinkClick r:id="rId3"/>
-              </a:rPr>
-              <a:t>http://stevekochscience.blogspot.com/2011/02/open-data-success-story.html</a:t>
-            </a:r>
-            <a:endParaRPr lang="en-US" dirty="0" smtClean="0">
-              <a:hlinkClick r:id="rId4" tooltip="http://www.kochlab.org/files/Passivation/"/>
-            </a:endParaRPr>
-          </a:p>
-          <a:p>
-            <a:r>
-              <a:rPr lang="en-US" dirty="0" smtClean="0">
-                <a:hlinkClick r:id="rId4" tooltip="http://www.kochlab.org/files/Passivation/"/>
-              </a:rPr>
-              <a:t>http</a:t>
-            </a:r>
-            <a:r>
-              <a:rPr lang="en-US" dirty="0">
-                <a:hlinkClick r:id="rId4" tooltip="http://www.kochlab.org/files/Passivation/"/>
-              </a:rPr>
-              <a:t>://www.kochlab.org/files/Passivation/</a:t>
+              <a:rPr lang="en-US" dirty="0" smtClean="0"/>
+              <a:t>Is Evolution Testable?</a:t>
+            </a:r>
+          </a:p>
+          <a:p>
+            <a:pPr lvl="1"/>
+            <a:r>
+              <a:rPr lang="en-US" dirty="0" smtClean="0"/>
+              <a:t>Intelligent Design?</a:t>
+            </a:r>
+          </a:p>
+          <a:p>
+            <a:pPr lvl="1"/>
+            <a:endParaRPr lang="en-US" dirty="0" smtClean="0"/>
+          </a:p>
+          <a:p>
+            <a:r>
+              <a:rPr lang="en-US" dirty="0" smtClean="0"/>
+              <a:t>Is Inequality in Water Rights Testable</a:t>
+            </a:r>
+          </a:p>
+          <a:p>
+            <a:pPr lvl="1"/>
+            <a:r>
+              <a:rPr lang="en-US" dirty="0" smtClean="0"/>
+              <a:t>What are the competing hypotheses?</a:t>
+            </a:r>
+          </a:p>
+          <a:p>
+            <a:pPr lvl="1"/>
+            <a:endParaRPr lang="en-US" dirty="0" smtClean="0"/>
+          </a:p>
+          <a:p>
+            <a:r>
+              <a:rPr lang="en-US" dirty="0" smtClean="0"/>
+              <a:t>Is Gender Inequality Testable?</a:t>
+            </a:r>
+          </a:p>
+          <a:p>
+            <a:pPr lvl="1"/>
+            <a:r>
+              <a:rPr lang="en-US" dirty="0" smtClean="0"/>
+              <a:t>What are we measuring?</a:t>
             </a:r>
             <a:endParaRPr lang="en-US" dirty="0"/>
           </a:p>
         </p:txBody>
       </p:sp>
-      <p:pic>
-        <p:nvPicPr>
-          <p:cNvPr id="5" name="Content Placeholder 4" descr="Chef solo 2 (1).JPG"/>
-          <p:cNvPicPr>
-            <a:picLocks noGrp="1" noChangeAspect="1"/>
-          </p:cNvPicPr>
+      <p:sp>
+        <p:nvSpPr>
+          <p:cNvPr id="4" name="Content Placeholder 3"/>
+          <p:cNvSpPr>
+            <a:spLocks noGrp="1"/>
+          </p:cNvSpPr>
           <p:nvPr>
             <p:ph sz="quarter" idx="14"/>
           </p:nvPr>
-        </p:nvPicPr>
-        <p:blipFill>
-          <a:blip r:embed="rId5" cstate="print"/>
-          <a:stretch>
-            <a:fillRect/>
-          </a:stretch>
-        </p:blipFill>
-        <p:spPr>
-          <a:xfrm>
-            <a:off x="5029200" y="1828800"/>
-            <a:ext cx="3377738" cy="3505200"/>
-          </a:xfrm>
-        </p:spPr>
-      </p:pic>
+        </p:nvSpPr>
+        <p:spPr/>
+        <p:txBody>
+          <a:bodyPr>
+            <a:normAutofit fontScale="47500" lnSpcReduction="20000"/>
+          </a:bodyPr>
+          <a:lstStyle/>
+          <a:p>
+            <a:r>
+              <a:rPr lang="en-US" b="1" dirty="0" smtClean="0">
+                <a:solidFill>
+                  <a:schemeClr val="tx1">
+                    <a:lumMod val="85000"/>
+                    <a:lumOff val="15000"/>
+                  </a:schemeClr>
+                </a:solidFill>
+              </a:rPr>
+              <a:t>Testability</a:t>
+            </a:r>
+            <a:r>
+              <a:rPr lang="en-US" dirty="0" smtClean="0">
+                <a:solidFill>
+                  <a:schemeClr val="tx1">
+                    <a:lumMod val="85000"/>
+                    <a:lumOff val="15000"/>
+                  </a:schemeClr>
+                </a:solidFill>
+              </a:rPr>
+              <a:t>, a property applying to an empirical hypothesis, involves two components: (1) the logical property that is variously described as </a:t>
+            </a:r>
+            <a:r>
+              <a:rPr lang="en-US" dirty="0" smtClean="0">
+                <a:solidFill>
+                  <a:schemeClr val="tx1">
+                    <a:lumMod val="85000"/>
+                    <a:lumOff val="15000"/>
+                  </a:schemeClr>
+                </a:solidFill>
+              </a:rPr>
+              <a:t>contingency</a:t>
+            </a:r>
+            <a:r>
+              <a:rPr lang="en-US" dirty="0" smtClean="0">
+                <a:solidFill>
+                  <a:schemeClr val="tx1">
+                    <a:lumMod val="85000"/>
+                    <a:lumOff val="15000"/>
+                  </a:schemeClr>
+                </a:solidFill>
+              </a:rPr>
+              <a:t>, defeasibility, or </a:t>
+            </a:r>
+            <a:r>
+              <a:rPr lang="en-US" dirty="0" err="1" smtClean="0">
+                <a:solidFill>
+                  <a:schemeClr val="tx1">
+                    <a:lumMod val="85000"/>
+                    <a:lumOff val="15000"/>
+                  </a:schemeClr>
+                </a:solidFill>
+              </a:rPr>
+              <a:t>falsifiability</a:t>
+            </a:r>
+            <a:r>
+              <a:rPr lang="en-US" dirty="0" smtClean="0">
+                <a:solidFill>
+                  <a:schemeClr val="tx1">
+                    <a:lumMod val="85000"/>
+                    <a:lumOff val="15000"/>
+                  </a:schemeClr>
+                </a:solidFill>
+              </a:rPr>
+              <a:t>, </a:t>
+            </a:r>
+            <a:r>
+              <a:rPr lang="en-US" dirty="0" smtClean="0">
+                <a:solidFill>
+                  <a:schemeClr val="tx1">
+                    <a:lumMod val="85000"/>
+                    <a:lumOff val="15000"/>
+                  </a:schemeClr>
+                </a:solidFill>
+              </a:rPr>
+              <a:t>which means </a:t>
+            </a:r>
+            <a:r>
+              <a:rPr lang="en-US" dirty="0" smtClean="0">
+                <a:solidFill>
+                  <a:schemeClr val="tx1">
+                    <a:lumMod val="85000"/>
+                    <a:lumOff val="15000"/>
+                  </a:schemeClr>
+                </a:solidFill>
+              </a:rPr>
+              <a:t>that counterexamples</a:t>
+            </a:r>
+            <a:r>
+              <a:rPr lang="en-US" dirty="0" smtClean="0">
+                <a:solidFill>
+                  <a:schemeClr val="tx1">
+                    <a:lumMod val="85000"/>
+                    <a:lumOff val="15000"/>
+                  </a:schemeClr>
+                </a:solidFill>
+              </a:rPr>
+              <a:t> to the hypothesis are logically possible, and (2) the practical feasibility of observing a reproducible series of such counterexamples if they do exist. In short, a </a:t>
+            </a:r>
+            <a:r>
+              <a:rPr lang="en-US" dirty="0" smtClean="0">
+                <a:solidFill>
+                  <a:schemeClr val="accent6">
+                    <a:lumMod val="75000"/>
+                  </a:schemeClr>
+                </a:solidFill>
+              </a:rPr>
+              <a:t>hypothesis is testable if there is some real hope of deciding whether it is true or false of real experience</a:t>
+            </a:r>
+            <a:r>
+              <a:rPr lang="en-US" dirty="0" smtClean="0">
+                <a:solidFill>
+                  <a:schemeClr val="tx1">
+                    <a:lumMod val="85000"/>
+                    <a:lumOff val="15000"/>
+                  </a:schemeClr>
+                </a:solidFill>
+              </a:rPr>
+              <a:t>. Upon this property of its constituent hypotheses rests the ability to decide whether a theory can be </a:t>
+            </a:r>
+            <a:r>
+              <a:rPr lang="en-US" dirty="0" smtClean="0">
+                <a:solidFill>
+                  <a:schemeClr val="accent6">
+                    <a:lumMod val="75000"/>
+                  </a:schemeClr>
+                </a:solidFill>
+              </a:rPr>
+              <a:t>supported or falsified by the data</a:t>
+            </a:r>
+            <a:r>
+              <a:rPr lang="en-US" dirty="0" smtClean="0">
+                <a:solidFill>
+                  <a:schemeClr val="tx1">
+                    <a:lumMod val="85000"/>
+                    <a:lumOff val="15000"/>
+                  </a:schemeClr>
+                </a:solidFill>
+              </a:rPr>
+              <a:t> of actual experience. If hypotheses are tested, initial results may also be labeled inconclusive.</a:t>
+            </a:r>
+            <a:endParaRPr lang="en-US" dirty="0">
+              <a:solidFill>
+                <a:schemeClr val="tx1">
+                  <a:lumMod val="85000"/>
+                  <a:lumOff val="15000"/>
+                </a:schemeClr>
+              </a:solidFill>
+            </a:endParaRPr>
+          </a:p>
+        </p:txBody>
+      </p:sp>
     </p:spTree>
   </p:cSld>
   <p:clrMapOvr>
@@ -15310,9 +15617,15 @@
           </a:xfrm>
         </p:spPr>
         <p:txBody>
-          <a:bodyPr/>
+          <a:bodyPr>
+            <a:normAutofit fontScale="90000"/>
+          </a:bodyPr>
           <a:lstStyle/>
           <a:p>
+            <a:r>
+              <a:rPr lang="en-US" dirty="0" smtClean="0"/>
+              <a:t>Michael Crichton Is a Climate Change Denier</a:t>
+            </a:r>
             <a:endParaRPr lang="en-US" dirty="0"/>
           </a:p>
         </p:txBody>
@@ -15377,12 +15690,1197 @@
         </p:nvSpPr>
         <p:spPr/>
         <p:txBody>
+          <a:bodyPr>
+            <a:normAutofit fontScale="90000"/>
+          </a:bodyPr>
+          <a:lstStyle/>
+          <a:p>
+            <a:r>
+              <a:rPr lang="en-US" dirty="0" smtClean="0"/>
+              <a:t>Be Aware of a Theory’s (and Data’s) Boundaries</a:t>
+            </a:r>
+            <a:endParaRPr lang="en-US" dirty="0"/>
+          </a:p>
+        </p:txBody>
+      </p:sp>
+      <p:sp>
+        <p:nvSpPr>
+          <p:cNvPr id="3" name="Content Placeholder 2"/>
+          <p:cNvSpPr>
+            <a:spLocks noGrp="1"/>
+          </p:cNvSpPr>
+          <p:nvPr>
+            <p:ph sz="quarter" idx="13"/>
+          </p:nvPr>
+        </p:nvSpPr>
+        <p:spPr/>
+        <p:txBody>
           <a:bodyPr/>
           <a:lstStyle/>
           <a:p>
             <a:r>
               <a:rPr lang="en-US" dirty="0" smtClean="0"/>
-              <a:t>What Steve Does </a:t>
+              <a:t>What are the boundaries of the big bang theory?</a:t>
+            </a:r>
+            <a:endParaRPr lang="en-US" dirty="0" smtClean="0"/>
+          </a:p>
+          <a:p>
+            <a:endParaRPr lang="en-US" dirty="0" smtClean="0"/>
+          </a:p>
+          <a:p>
+            <a:r>
+              <a:rPr lang="en-US" dirty="0" smtClean="0"/>
+              <a:t>A theory of everything is a theory of nothing</a:t>
+            </a:r>
+          </a:p>
+        </p:txBody>
+      </p:sp>
+      <p:pic>
+        <p:nvPicPr>
+          <p:cNvPr id="5" name="Content Placeholder 4" descr="Big Bang Theory.jpg"/>
+          <p:cNvPicPr>
+            <a:picLocks noGrp="1" noChangeAspect="1"/>
+          </p:cNvPicPr>
+          <p:nvPr>
+            <p:ph sz="quarter" idx="14"/>
+          </p:nvPr>
+        </p:nvPicPr>
+        <p:blipFill>
+          <a:blip r:embed="rId2" cstate="print"/>
+          <a:stretch>
+            <a:fillRect/>
+          </a:stretch>
+        </p:blipFill>
+        <p:spPr>
+          <a:xfrm>
+            <a:off x="4645025" y="2369820"/>
+            <a:ext cx="3419475" cy="2735580"/>
+          </a:xfrm>
+        </p:spPr>
+      </p:pic>
+      <p:sp>
+        <p:nvSpPr>
+          <p:cNvPr id="6" name="TextBox 5"/>
+          <p:cNvSpPr txBox="1"/>
+          <p:nvPr/>
+        </p:nvSpPr>
+        <p:spPr>
+          <a:xfrm>
+            <a:off x="1066800" y="5511225"/>
+            <a:ext cx="7531229" cy="584775"/>
+          </a:xfrm>
+          <a:prstGeom prst="rect">
+            <a:avLst/>
+          </a:prstGeom>
+          <a:noFill/>
+        </p:spPr>
+        <p:txBody>
+          <a:bodyPr wrap="none" rtlCol="0">
+            <a:spAutoFit/>
+          </a:bodyPr>
+          <a:lstStyle/>
+          <a:p>
+            <a:r>
+              <a:rPr lang="en-US" sz="800" dirty="0" smtClean="0"/>
+              <a:t>"I don't like to push you, Kettering, but you science </a:t>
+            </a:r>
+            <a:r>
+              <a:rPr lang="en-US" sz="800" dirty="0" smtClean="0"/>
+              <a:t>boys (and girls) </a:t>
+            </a:r>
+            <a:r>
+              <a:rPr lang="en-US" sz="800" dirty="0" smtClean="0"/>
+              <a:t>tend to get all wrapped up in your test tubes and the obvious things escape your </a:t>
+            </a:r>
+            <a:endParaRPr lang="en-US" sz="800" dirty="0" smtClean="0"/>
+          </a:p>
+          <a:p>
+            <a:r>
+              <a:rPr lang="en-US" sz="800" dirty="0" smtClean="0"/>
+              <a:t>attention</a:t>
+            </a:r>
+            <a:r>
+              <a:rPr lang="en-US" sz="800" dirty="0" smtClean="0"/>
+              <a:t>. I've got to have something to report. I want action, not theory</a:t>
+            </a:r>
+            <a:r>
+              <a:rPr lang="en-US" sz="800" dirty="0" smtClean="0"/>
+              <a:t>.“</a:t>
+            </a:r>
+          </a:p>
+          <a:p>
+            <a:r>
+              <a:rPr lang="en-US" sz="800" dirty="0" smtClean="0"/>
+              <a:t> </a:t>
+            </a:r>
+            <a:br>
+              <a:rPr lang="en-US" sz="800" dirty="0" smtClean="0"/>
+            </a:br>
+            <a:r>
+              <a:rPr lang="en-US" sz="800" b="1" dirty="0" smtClean="0"/>
+              <a:t>- From the movie </a:t>
+            </a:r>
+            <a:r>
+              <a:rPr lang="en-US" sz="800" b="1" i="1" dirty="0" smtClean="0">
+                <a:hlinkClick r:id="rId3"/>
+              </a:rPr>
+              <a:t>The Brain Eaters</a:t>
+            </a:r>
+            <a:r>
+              <a:rPr lang="en-US" sz="800" b="1" dirty="0" smtClean="0"/>
+              <a:t> </a:t>
+            </a:r>
+            <a:endParaRPr lang="en-US" sz="800" dirty="0"/>
+          </a:p>
+        </p:txBody>
+      </p:sp>
+    </p:spTree>
+  </p:cSld>
+  <p:clrMapOvr>
+    <a:masterClrMapping/>
+  </p:clrMapOvr>
+</p:sld>
+</file>
+
+<file path=ppt/slides/slide21.xml><?xml version="1.0" encoding="utf-8"?>
+<p:sld xmlns:a="http://schemas.openxmlformats.org/drawingml/2006/main" xmlns:r="http://schemas.openxmlformats.org/officeDocument/2006/relationships" xmlns:p="http://schemas.openxmlformats.org/presentationml/2006/main">
+  <p:cSld>
+    <p:spTree>
+      <p:nvGrpSpPr>
+        <p:cNvPr id="1" name=""/>
+        <p:cNvGrpSpPr/>
+        <p:nvPr/>
+      </p:nvGrpSpPr>
+      <p:grpSpPr>
+        <a:xfrm>
+          <a:off x="0" y="0"/>
+          <a:ext cx="0" cy="0"/>
+          <a:chOff x="0" y="0"/>
+          <a:chExt cx="0" cy="0"/>
+        </a:xfrm>
+      </p:grpSpPr>
+      <p:sp>
+        <p:nvSpPr>
+          <p:cNvPr id="2" name="Title 1"/>
+          <p:cNvSpPr>
+            <a:spLocks noGrp="1"/>
+          </p:cNvSpPr>
+          <p:nvPr>
+            <p:ph type="title"/>
+          </p:nvPr>
+        </p:nvSpPr>
+        <p:spPr/>
+        <p:txBody>
+          <a:bodyPr/>
+          <a:lstStyle/>
+          <a:p>
+            <a:r>
+              <a:rPr lang="en-US" dirty="0" smtClean="0"/>
+              <a:t>How Big Is Your Data?</a:t>
+            </a:r>
+            <a:endParaRPr lang="en-US" dirty="0"/>
+          </a:p>
+        </p:txBody>
+      </p:sp>
+      <p:sp>
+        <p:nvSpPr>
+          <p:cNvPr id="6" name="Text Placeholder 5"/>
+          <p:cNvSpPr>
+            <a:spLocks noGrp="1"/>
+          </p:cNvSpPr>
+          <p:nvPr>
+            <p:ph type="body" idx="1"/>
+          </p:nvPr>
+        </p:nvSpPr>
+        <p:spPr/>
+        <p:txBody>
+          <a:bodyPr/>
+          <a:lstStyle/>
+          <a:p>
+            <a:r>
+              <a:rPr lang="en-US" dirty="0" smtClean="0"/>
+              <a:t>Its Not How Big Your Data Is It’s How You Use </a:t>
+            </a:r>
+            <a:r>
+              <a:rPr lang="en-US" dirty="0" smtClean="0"/>
+              <a:t>It</a:t>
+            </a:r>
+            <a:r>
+              <a:rPr lang="en-US" dirty="0" smtClean="0"/>
+              <a:t>?</a:t>
+            </a:r>
+            <a:endParaRPr lang="en-US" dirty="0"/>
+          </a:p>
+        </p:txBody>
+      </p:sp>
+    </p:spTree>
+  </p:cSld>
+  <p:clrMapOvr>
+    <a:masterClrMapping/>
+  </p:clrMapOvr>
+</p:sld>
+</file>
+
+<file path=ppt/slides/slide22.xml><?xml version="1.0" encoding="utf-8"?>
+<p:sld xmlns:a="http://schemas.openxmlformats.org/drawingml/2006/main" xmlns:r="http://schemas.openxmlformats.org/officeDocument/2006/relationships" xmlns:p="http://schemas.openxmlformats.org/presentationml/2006/main">
+  <p:cSld>
+    <p:spTree>
+      <p:nvGrpSpPr>
+        <p:cNvPr id="1" name=""/>
+        <p:cNvGrpSpPr/>
+        <p:nvPr/>
+      </p:nvGrpSpPr>
+      <p:grpSpPr>
+        <a:xfrm>
+          <a:off x="0" y="0"/>
+          <a:ext cx="0" cy="0"/>
+          <a:chOff x="0" y="0"/>
+          <a:chExt cx="0" cy="0"/>
+        </a:xfrm>
+      </p:grpSpPr>
+      <p:sp>
+        <p:nvSpPr>
+          <p:cNvPr id="4" name="Title 3"/>
+          <p:cNvSpPr>
+            <a:spLocks noGrp="1"/>
+          </p:cNvSpPr>
+          <p:nvPr>
+            <p:ph type="title"/>
+          </p:nvPr>
+        </p:nvSpPr>
+        <p:spPr/>
+        <p:txBody>
+          <a:bodyPr/>
+          <a:lstStyle/>
+          <a:p>
+            <a:r>
+              <a:rPr lang="en-US" dirty="0" smtClean="0"/>
+              <a:t>Top 10 Databases in 2010</a:t>
+            </a:r>
+            <a:endParaRPr lang="en-US" dirty="0"/>
+          </a:p>
+        </p:txBody>
+      </p:sp>
+      <p:sp>
+        <p:nvSpPr>
+          <p:cNvPr id="5" name="Content Placeholder 4"/>
+          <p:cNvSpPr>
+            <a:spLocks noGrp="1"/>
+          </p:cNvSpPr>
+          <p:nvPr>
+            <p:ph sz="quarter" idx="13"/>
+          </p:nvPr>
+        </p:nvSpPr>
+        <p:spPr/>
+        <p:txBody>
+          <a:bodyPr>
+            <a:normAutofit fontScale="62500" lnSpcReduction="20000"/>
+          </a:bodyPr>
+          <a:lstStyle/>
+          <a:p>
+            <a:pPr marL="514350" indent="-514350">
+              <a:buFont typeface="+mj-lt"/>
+              <a:buAutoNum type="arabicPeriod"/>
+            </a:pPr>
+            <a:r>
+              <a:rPr lang="en-US" b="1" dirty="0"/>
+              <a:t>World Data Centre for </a:t>
+            </a:r>
+            <a:r>
+              <a:rPr lang="en-US" b="1" dirty="0" smtClean="0"/>
+              <a:t>Climate (6.2 PB)</a:t>
+            </a:r>
+            <a:endParaRPr lang="en-US" b="1" dirty="0"/>
+          </a:p>
+          <a:p>
+            <a:pPr marL="514350" indent="-514350">
+              <a:buFont typeface="+mj-lt"/>
+              <a:buAutoNum type="arabicPeriod"/>
+            </a:pPr>
+            <a:r>
+              <a:rPr lang="en-US" b="1" dirty="0"/>
+              <a:t>National Energy Research Scientific Computing </a:t>
+            </a:r>
+            <a:r>
+              <a:rPr lang="en-US" b="1" dirty="0" smtClean="0"/>
+              <a:t>Center (2.6 PB)</a:t>
+            </a:r>
+            <a:endParaRPr lang="en-US" b="1" dirty="0"/>
+          </a:p>
+          <a:p>
+            <a:pPr marL="514350" indent="-514350">
+              <a:buFont typeface="+mj-lt"/>
+              <a:buAutoNum type="arabicPeriod"/>
+            </a:pPr>
+            <a:r>
+              <a:rPr lang="en-US" b="1" dirty="0" smtClean="0"/>
+              <a:t>AT&amp;T (323 TB)</a:t>
+            </a:r>
+            <a:endParaRPr lang="en-US" b="1" dirty="0"/>
+          </a:p>
+          <a:p>
+            <a:pPr marL="514350" indent="-514350">
+              <a:buFont typeface="+mj-lt"/>
+              <a:buAutoNum type="arabicPeriod"/>
+            </a:pPr>
+            <a:r>
+              <a:rPr lang="en-US" b="1" dirty="0" smtClean="0"/>
+              <a:t>Google (91 million searches, 50% of searches)</a:t>
+            </a:r>
+            <a:endParaRPr lang="en-US" b="1" dirty="0"/>
+          </a:p>
+          <a:p>
+            <a:pPr marL="514350" indent="-514350">
+              <a:buFont typeface="+mj-lt"/>
+              <a:buAutoNum type="arabicPeriod"/>
+            </a:pPr>
+            <a:r>
+              <a:rPr lang="en-US" b="1" dirty="0" smtClean="0"/>
+              <a:t>Sprint (2.85 Trillion Records)</a:t>
+            </a:r>
+          </a:p>
+          <a:p>
+            <a:pPr marL="514350" indent="-514350">
+              <a:buFont typeface="+mj-lt"/>
+              <a:buAutoNum type="arabicPeriod"/>
+            </a:pPr>
+            <a:r>
+              <a:rPr lang="en-US" b="1" dirty="0" err="1" smtClean="0"/>
+              <a:t>ChoicePoint</a:t>
+            </a:r>
+            <a:r>
+              <a:rPr lang="en-US" b="1" dirty="0" smtClean="0"/>
+              <a:t> (250 TB)</a:t>
+            </a:r>
+            <a:endParaRPr lang="en-US" b="1" dirty="0"/>
+          </a:p>
+          <a:p>
+            <a:pPr marL="514350" indent="-514350">
+              <a:buFont typeface="+mj-lt"/>
+              <a:buAutoNum type="arabicPeriod"/>
+            </a:pPr>
+            <a:r>
+              <a:rPr lang="en-US" b="1" dirty="0" smtClean="0"/>
+              <a:t>YouTube (45 TB)</a:t>
+            </a:r>
+            <a:endParaRPr lang="en-US" b="1" dirty="0"/>
+          </a:p>
+          <a:p>
+            <a:pPr marL="514350" indent="-514350">
+              <a:buFont typeface="+mj-lt"/>
+              <a:buAutoNum type="arabicPeriod"/>
+            </a:pPr>
+            <a:r>
+              <a:rPr lang="en-US" b="1" dirty="0" smtClean="0"/>
+              <a:t>Amazon (42 TB)</a:t>
+            </a:r>
+            <a:endParaRPr lang="en-US" b="1" dirty="0"/>
+          </a:p>
+          <a:p>
+            <a:pPr marL="514350" indent="-514350">
+              <a:buFont typeface="+mj-lt"/>
+              <a:buAutoNum type="arabicPeriod"/>
+            </a:pPr>
+            <a:r>
+              <a:rPr lang="en-US" b="1" dirty="0"/>
+              <a:t>Central Intelligence </a:t>
+            </a:r>
+            <a:r>
+              <a:rPr lang="en-US" b="1" dirty="0" smtClean="0"/>
+              <a:t>Agency (?? How does he know?)</a:t>
+            </a:r>
+            <a:endParaRPr lang="en-US" b="1" dirty="0"/>
+          </a:p>
+          <a:p>
+            <a:pPr marL="514350" indent="-514350">
+              <a:buFont typeface="+mj-lt"/>
+              <a:buAutoNum type="arabicPeriod"/>
+            </a:pPr>
+            <a:r>
+              <a:rPr lang="en-US" b="1" dirty="0"/>
+              <a:t>Library of </a:t>
+            </a:r>
+            <a:r>
+              <a:rPr lang="en-US" b="1" dirty="0" smtClean="0"/>
+              <a:t>Congress (20TB)</a:t>
+            </a:r>
+            <a:endParaRPr lang="en-US" b="1" dirty="0"/>
+          </a:p>
+          <a:p>
+            <a:pPr marL="514350" indent="-514350">
+              <a:buFont typeface="+mj-lt"/>
+              <a:buAutoNum type="arabicPeriod"/>
+            </a:pPr>
+            <a:endParaRPr lang="en-US" dirty="0"/>
+          </a:p>
+        </p:txBody>
+      </p:sp>
+      <p:sp>
+        <p:nvSpPr>
+          <p:cNvPr id="6" name="Content Placeholder 5"/>
+          <p:cNvSpPr>
+            <a:spLocks noGrp="1"/>
+          </p:cNvSpPr>
+          <p:nvPr>
+            <p:ph sz="quarter" idx="14"/>
+          </p:nvPr>
+        </p:nvSpPr>
+        <p:spPr/>
+        <p:txBody>
+          <a:bodyPr>
+            <a:normAutofit/>
+          </a:bodyPr>
+          <a:lstStyle/>
+          <a:p>
+            <a:r>
+              <a:rPr lang="en-US" dirty="0" smtClean="0"/>
+              <a:t>What is the correct way to compare this?</a:t>
+            </a:r>
+          </a:p>
+          <a:p>
+            <a:pPr lvl="1"/>
+            <a:r>
+              <a:rPr lang="en-US" dirty="0" smtClean="0"/>
+              <a:t>Volume?</a:t>
+            </a:r>
+          </a:p>
+          <a:p>
+            <a:pPr lvl="1"/>
+            <a:r>
+              <a:rPr lang="en-US" dirty="0" smtClean="0"/>
+              <a:t>Objects?</a:t>
+            </a:r>
+          </a:p>
+          <a:p>
+            <a:pPr lvl="1"/>
+            <a:r>
+              <a:rPr lang="en-US" dirty="0" smtClean="0"/>
+              <a:t>Impact?</a:t>
+            </a:r>
+          </a:p>
+          <a:p>
+            <a:r>
+              <a:rPr lang="en-US" dirty="0" smtClean="0"/>
+              <a:t>How much data world wide?</a:t>
+            </a:r>
+          </a:p>
+          <a:p>
+            <a:pPr lvl="1"/>
+            <a:endParaRPr lang="en-US" dirty="0" smtClean="0"/>
+          </a:p>
+        </p:txBody>
+      </p:sp>
+    </p:spTree>
+  </p:cSld>
+  <p:clrMapOvr>
+    <a:masterClrMapping/>
+  </p:clrMapOvr>
+</p:sld>
+</file>
+
+<file path=ppt/slides/slide23.xml><?xml version="1.0" encoding="utf-8"?>
+<p:sld xmlns:a="http://schemas.openxmlformats.org/drawingml/2006/main" xmlns:r="http://schemas.openxmlformats.org/officeDocument/2006/relationships" xmlns:p="http://schemas.openxmlformats.org/presentationml/2006/main">
+  <p:cSld>
+    <p:spTree>
+      <p:nvGrpSpPr>
+        <p:cNvPr id="1" name=""/>
+        <p:cNvGrpSpPr/>
+        <p:nvPr/>
+      </p:nvGrpSpPr>
+      <p:grpSpPr>
+        <a:xfrm>
+          <a:off x="0" y="0"/>
+          <a:ext cx="0" cy="0"/>
+          <a:chOff x="0" y="0"/>
+          <a:chExt cx="0" cy="0"/>
+        </a:xfrm>
+      </p:grpSpPr>
+      <p:sp>
+        <p:nvSpPr>
+          <p:cNvPr id="2" name="Title 1"/>
+          <p:cNvSpPr>
+            <a:spLocks noGrp="1"/>
+          </p:cNvSpPr>
+          <p:nvPr>
+            <p:ph type="title"/>
+          </p:nvPr>
+        </p:nvSpPr>
+        <p:spPr/>
+        <p:txBody>
+          <a:bodyPr/>
+          <a:lstStyle/>
+          <a:p>
+            <a:r>
+              <a:rPr lang="en-US" dirty="0" smtClean="0"/>
+              <a:t>Little Big Data</a:t>
+            </a:r>
+            <a:endParaRPr lang="en-US" dirty="0"/>
+          </a:p>
+        </p:txBody>
+      </p:sp>
+      <p:sp>
+        <p:nvSpPr>
+          <p:cNvPr id="3" name="Content Placeholder 2"/>
+          <p:cNvSpPr>
+            <a:spLocks noGrp="1"/>
+          </p:cNvSpPr>
+          <p:nvPr>
+            <p:ph sz="quarter" idx="13"/>
+          </p:nvPr>
+        </p:nvSpPr>
+        <p:spPr/>
+        <p:txBody>
+          <a:bodyPr/>
+          <a:lstStyle/>
+          <a:p>
+            <a:r>
+              <a:rPr lang="en-US" dirty="0" smtClean="0"/>
+              <a:t>The Top 10 Databases account for </a:t>
+            </a:r>
+          </a:p>
+          <a:p>
+            <a:pPr lvl="1">
+              <a:buNone/>
+            </a:pPr>
+            <a:endParaRPr lang="en-US" dirty="0" smtClean="0"/>
+          </a:p>
+          <a:p>
+            <a:pPr lvl="1">
+              <a:buNone/>
+            </a:pPr>
+            <a:r>
+              <a:rPr lang="en-US" dirty="0" smtClean="0"/>
+              <a:t>0.0034% of Global Storage</a:t>
+            </a:r>
+            <a:endParaRPr lang="en-US" dirty="0"/>
+          </a:p>
+        </p:txBody>
+      </p:sp>
+      <p:sp>
+        <p:nvSpPr>
+          <p:cNvPr id="4" name="Content Placeholder 3"/>
+          <p:cNvSpPr>
+            <a:spLocks noGrp="1"/>
+          </p:cNvSpPr>
+          <p:nvPr>
+            <p:ph sz="quarter" idx="14"/>
+          </p:nvPr>
+        </p:nvSpPr>
+        <p:spPr/>
+        <p:txBody>
+          <a:bodyPr/>
+          <a:lstStyle/>
+          <a:p>
+            <a:r>
+              <a:rPr lang="en-US" dirty="0" smtClean="0"/>
+              <a:t>Big Data Really Isn’t That Big</a:t>
+            </a:r>
+          </a:p>
+          <a:p>
+            <a:r>
+              <a:rPr lang="en-US" dirty="0" smtClean="0"/>
+              <a:t>But the problem is interesting</a:t>
+            </a:r>
+          </a:p>
+          <a:p>
+            <a:pPr lvl="1"/>
+            <a:r>
+              <a:rPr lang="en-US" dirty="0" smtClean="0"/>
+              <a:t>How do we link all this data together?</a:t>
+            </a:r>
+            <a:endParaRPr lang="en-US" dirty="0"/>
+          </a:p>
+        </p:txBody>
+      </p:sp>
+    </p:spTree>
+  </p:cSld>
+  <p:clrMapOvr>
+    <a:masterClrMapping/>
+  </p:clrMapOvr>
+</p:sld>
+</file>
+
+<file path=ppt/slides/slide24.xml><?xml version="1.0" encoding="utf-8"?>
+<p:sld xmlns:a="http://schemas.openxmlformats.org/drawingml/2006/main" xmlns:r="http://schemas.openxmlformats.org/officeDocument/2006/relationships" xmlns:p="http://schemas.openxmlformats.org/presentationml/2006/main">
+  <p:cSld>
+    <p:spTree>
+      <p:nvGrpSpPr>
+        <p:cNvPr id="1" name=""/>
+        <p:cNvGrpSpPr/>
+        <p:nvPr/>
+      </p:nvGrpSpPr>
+      <p:grpSpPr>
+        <a:xfrm>
+          <a:off x="0" y="0"/>
+          <a:ext cx="0" cy="0"/>
+          <a:chOff x="0" y="0"/>
+          <a:chExt cx="0" cy="0"/>
+        </a:xfrm>
+      </p:grpSpPr>
+      <p:sp>
+        <p:nvSpPr>
+          <p:cNvPr id="2" name="Title 1"/>
+          <p:cNvSpPr>
+            <a:spLocks noGrp="1"/>
+          </p:cNvSpPr>
+          <p:nvPr>
+            <p:ph type="title"/>
+          </p:nvPr>
+        </p:nvSpPr>
+        <p:spPr/>
+        <p:txBody>
+          <a:bodyPr>
+            <a:normAutofit fontScale="90000"/>
+          </a:bodyPr>
+          <a:lstStyle/>
+          <a:p>
+            <a:r>
+              <a:rPr lang="en-US" dirty="0" smtClean="0"/>
+              <a:t>A Really Important Distribution</a:t>
+            </a:r>
+            <a:endParaRPr lang="en-US" dirty="0"/>
+          </a:p>
+        </p:txBody>
+      </p:sp>
+      <p:sp>
+        <p:nvSpPr>
+          <p:cNvPr id="18" name="Text Placeholder 17"/>
+          <p:cNvSpPr>
+            <a:spLocks noGrp="1"/>
+          </p:cNvSpPr>
+          <p:nvPr>
+            <p:ph type="body" idx="1"/>
+          </p:nvPr>
+        </p:nvSpPr>
+        <p:spPr/>
+        <p:txBody>
+          <a:bodyPr>
+            <a:noAutofit/>
+          </a:bodyPr>
+          <a:lstStyle/>
+          <a:p>
+            <a:pPr algn="ctr"/>
+            <a:r>
+              <a:rPr lang="en-US" sz="2000" b="0" dirty="0" smtClean="0">
+                <a:solidFill>
+                  <a:schemeClr val="tx1">
+                    <a:lumMod val="50000"/>
+                    <a:lumOff val="50000"/>
+                  </a:schemeClr>
+                </a:solidFill>
+              </a:rPr>
+              <a:t>Most Data Is Unused and Unmanaged</a:t>
+            </a:r>
+            <a:endParaRPr lang="en-US" sz="2000" b="0" dirty="0">
+              <a:solidFill>
+                <a:schemeClr val="tx1">
+                  <a:lumMod val="50000"/>
+                  <a:lumOff val="50000"/>
+                </a:schemeClr>
+              </a:solidFill>
+            </a:endParaRPr>
+          </a:p>
+        </p:txBody>
+      </p:sp>
+      <p:pic>
+        <p:nvPicPr>
+          <p:cNvPr id="5" name="Content Placeholder 4" descr="6a00d8341d95cf53ef00e54f2596028834-800wi.gif"/>
+          <p:cNvPicPr>
+            <a:picLocks noGrp="1" noChangeAspect="1"/>
+          </p:cNvPicPr>
+          <p:nvPr>
+            <p:ph sz="half" idx="2"/>
+          </p:nvPr>
+        </p:nvPicPr>
+        <p:blipFill>
+          <a:blip r:embed="rId2" cstate="print"/>
+          <a:stretch>
+            <a:fillRect/>
+          </a:stretch>
+        </p:blipFill>
+        <p:spPr>
+          <a:xfrm>
+            <a:off x="1041400" y="3130826"/>
+            <a:ext cx="3419475" cy="2523573"/>
+          </a:xfrm>
+        </p:spPr>
+      </p:pic>
+      <p:sp>
+        <p:nvSpPr>
+          <p:cNvPr id="19" name="Text Placeholder 18"/>
+          <p:cNvSpPr>
+            <a:spLocks noGrp="1"/>
+          </p:cNvSpPr>
+          <p:nvPr>
+            <p:ph type="body" sz="quarter" idx="3"/>
+          </p:nvPr>
+        </p:nvSpPr>
+        <p:spPr/>
+        <p:txBody>
+          <a:bodyPr>
+            <a:normAutofit/>
+          </a:bodyPr>
+          <a:lstStyle/>
+          <a:p>
+            <a:pPr algn="ctr"/>
+            <a:r>
+              <a:rPr lang="en-US" sz="2000" b="0" dirty="0" smtClean="0">
+                <a:solidFill>
+                  <a:schemeClr val="tx1">
+                    <a:lumMod val="50000"/>
+                    <a:lumOff val="50000"/>
+                  </a:schemeClr>
+                </a:solidFill>
+              </a:rPr>
+              <a:t>Most Data Is Small</a:t>
+            </a:r>
+            <a:endParaRPr lang="en-US" sz="2000" b="0" dirty="0">
+              <a:solidFill>
+                <a:schemeClr val="tx1">
+                  <a:lumMod val="50000"/>
+                  <a:lumOff val="50000"/>
+                </a:schemeClr>
+              </a:solidFill>
+            </a:endParaRPr>
+          </a:p>
+        </p:txBody>
+      </p:sp>
+      <p:cxnSp>
+        <p:nvCxnSpPr>
+          <p:cNvPr id="7" name="Straight Arrow Connector 6"/>
+          <p:cNvCxnSpPr/>
+          <p:nvPr/>
+        </p:nvCxnSpPr>
+        <p:spPr>
+          <a:xfrm flipV="1">
+            <a:off x="4800600" y="3124200"/>
+            <a:ext cx="0" cy="2362200"/>
+          </a:xfrm>
+          <a:prstGeom prst="straightConnector1">
+            <a:avLst/>
+          </a:prstGeom>
+          <a:ln w="12700">
+            <a:solidFill>
+              <a:schemeClr val="tx1"/>
+            </a:solidFill>
+            <a:tailEnd type="arrow"/>
+          </a:ln>
+        </p:spPr>
+        <p:style>
+          <a:lnRef idx="1">
+            <a:schemeClr val="accent1"/>
+          </a:lnRef>
+          <a:fillRef idx="0">
+            <a:schemeClr val="accent1"/>
+          </a:fillRef>
+          <a:effectRef idx="0">
+            <a:schemeClr val="accent1"/>
+          </a:effectRef>
+          <a:fontRef idx="minor">
+            <a:schemeClr val="tx1"/>
+          </a:fontRef>
+        </p:style>
+      </p:cxnSp>
+      <p:cxnSp>
+        <p:nvCxnSpPr>
+          <p:cNvPr id="9" name="Straight Arrow Connector 8"/>
+          <p:cNvCxnSpPr/>
+          <p:nvPr/>
+        </p:nvCxnSpPr>
+        <p:spPr>
+          <a:xfrm>
+            <a:off x="4800600" y="5486400"/>
+            <a:ext cx="3200400" cy="0"/>
+          </a:xfrm>
+          <a:prstGeom prst="straightConnector1">
+            <a:avLst/>
+          </a:prstGeom>
+          <a:ln w="12700">
+            <a:solidFill>
+              <a:schemeClr val="tx1"/>
+            </a:solidFill>
+            <a:tailEnd type="arrow"/>
+          </a:ln>
+        </p:spPr>
+        <p:style>
+          <a:lnRef idx="1">
+            <a:schemeClr val="accent1"/>
+          </a:lnRef>
+          <a:fillRef idx="0">
+            <a:schemeClr val="accent1"/>
+          </a:fillRef>
+          <a:effectRef idx="0">
+            <a:schemeClr val="accent1"/>
+          </a:effectRef>
+          <a:fontRef idx="minor">
+            <a:schemeClr val="tx1"/>
+          </a:fontRef>
+        </p:style>
+      </p:cxnSp>
+      <p:sp>
+        <p:nvSpPr>
+          <p:cNvPr id="16" name="TextBox 15"/>
+          <p:cNvSpPr txBox="1"/>
+          <p:nvPr/>
+        </p:nvSpPr>
+        <p:spPr>
+          <a:xfrm>
+            <a:off x="5867400" y="5486400"/>
+            <a:ext cx="1018227" cy="200055"/>
+          </a:xfrm>
+          <a:prstGeom prst="rect">
+            <a:avLst/>
+          </a:prstGeom>
+          <a:noFill/>
+        </p:spPr>
+        <p:txBody>
+          <a:bodyPr wrap="none" rtlCol="0">
+            <a:spAutoFit/>
+          </a:bodyPr>
+          <a:lstStyle/>
+          <a:p>
+            <a:r>
+              <a:rPr lang="en-US" sz="700" dirty="0" smtClean="0"/>
+              <a:t>Size of Data (Bytes)</a:t>
+            </a:r>
+            <a:endParaRPr lang="en-US" sz="700" dirty="0"/>
+          </a:p>
+        </p:txBody>
+      </p:sp>
+      <p:sp>
+        <p:nvSpPr>
+          <p:cNvPr id="17" name="TextBox 16"/>
+          <p:cNvSpPr txBox="1"/>
+          <p:nvPr/>
+        </p:nvSpPr>
+        <p:spPr>
+          <a:xfrm rot="16200000">
+            <a:off x="4146574" y="4263971"/>
+            <a:ext cx="1107996" cy="200055"/>
+          </a:xfrm>
+          <a:prstGeom prst="rect">
+            <a:avLst/>
+          </a:prstGeom>
+          <a:noFill/>
+        </p:spPr>
+        <p:txBody>
+          <a:bodyPr wrap="none" rtlCol="0">
+            <a:spAutoFit/>
+          </a:bodyPr>
+          <a:lstStyle/>
+          <a:p>
+            <a:r>
+              <a:rPr lang="en-US" sz="700" dirty="0" smtClean="0"/>
+              <a:t>Number Of Data Sets</a:t>
+            </a:r>
+            <a:endParaRPr lang="en-US" sz="700" dirty="0"/>
+          </a:p>
+        </p:txBody>
+      </p:sp>
+      <p:sp>
+        <p:nvSpPr>
+          <p:cNvPr id="21" name="Freeform 20"/>
+          <p:cNvSpPr/>
+          <p:nvPr/>
+        </p:nvSpPr>
+        <p:spPr>
+          <a:xfrm>
+            <a:off x="4798771" y="3284525"/>
+            <a:ext cx="3130906" cy="2128723"/>
+          </a:xfrm>
+          <a:custGeom>
+            <a:avLst/>
+            <a:gdLst>
+              <a:gd name="connsiteX0" fmla="*/ 0 w 3130906"/>
+              <a:gd name="connsiteY0" fmla="*/ 0 h 2128723"/>
+              <a:gd name="connsiteX1" fmla="*/ 73152 w 3130906"/>
+              <a:gd name="connsiteY1" fmla="*/ 629107 h 2128723"/>
+              <a:gd name="connsiteX2" fmla="*/ 212141 w 3130906"/>
+              <a:gd name="connsiteY2" fmla="*/ 1514246 h 2128723"/>
+              <a:gd name="connsiteX3" fmla="*/ 387706 w 3130906"/>
+              <a:gd name="connsiteY3" fmla="*/ 1858061 h 2128723"/>
+              <a:gd name="connsiteX4" fmla="*/ 1133856 w 3130906"/>
+              <a:gd name="connsiteY4" fmla="*/ 2004365 h 2128723"/>
+              <a:gd name="connsiteX5" fmla="*/ 2223821 w 3130906"/>
+              <a:gd name="connsiteY5" fmla="*/ 2077517 h 2128723"/>
+              <a:gd name="connsiteX6" fmla="*/ 3130906 w 3130906"/>
+              <a:gd name="connsiteY6" fmla="*/ 2128723 h 2128723"/>
+            </a:gdLst>
+            <a:ahLst/>
+            <a:cxnLst>
+              <a:cxn ang="0">
+                <a:pos x="connsiteX0" y="connsiteY0"/>
+              </a:cxn>
+              <a:cxn ang="0">
+                <a:pos x="connsiteX1" y="connsiteY1"/>
+              </a:cxn>
+              <a:cxn ang="0">
+                <a:pos x="connsiteX2" y="connsiteY2"/>
+              </a:cxn>
+              <a:cxn ang="0">
+                <a:pos x="connsiteX3" y="connsiteY3"/>
+              </a:cxn>
+              <a:cxn ang="0">
+                <a:pos x="connsiteX4" y="connsiteY4"/>
+              </a:cxn>
+              <a:cxn ang="0">
+                <a:pos x="connsiteX5" y="connsiteY5"/>
+              </a:cxn>
+              <a:cxn ang="0">
+                <a:pos x="connsiteX6" y="connsiteY6"/>
+              </a:cxn>
+            </a:cxnLst>
+            <a:rect l="l" t="t" r="r" b="b"/>
+            <a:pathLst>
+              <a:path w="3130906" h="2128723">
+                <a:moveTo>
+                  <a:pt x="0" y="0"/>
+                </a:moveTo>
+                <a:cubicBezTo>
+                  <a:pt x="18897" y="188366"/>
+                  <a:pt x="37795" y="376733"/>
+                  <a:pt x="73152" y="629107"/>
+                </a:cubicBezTo>
+                <a:cubicBezTo>
+                  <a:pt x="108509" y="881481"/>
+                  <a:pt x="159715" y="1309420"/>
+                  <a:pt x="212141" y="1514246"/>
+                </a:cubicBezTo>
+                <a:cubicBezTo>
+                  <a:pt x="264567" y="1719072"/>
+                  <a:pt x="234087" y="1776375"/>
+                  <a:pt x="387706" y="1858061"/>
+                </a:cubicBezTo>
+                <a:cubicBezTo>
+                  <a:pt x="541325" y="1939747"/>
+                  <a:pt x="827837" y="1967789"/>
+                  <a:pt x="1133856" y="2004365"/>
+                </a:cubicBezTo>
+                <a:cubicBezTo>
+                  <a:pt x="1439875" y="2040941"/>
+                  <a:pt x="2223821" y="2077517"/>
+                  <a:pt x="2223821" y="2077517"/>
+                </a:cubicBezTo>
+                <a:lnTo>
+                  <a:pt x="3130906" y="2128723"/>
+                </a:lnTo>
+              </a:path>
+            </a:pathLst>
+          </a:custGeom>
+          <a:ln w="12700">
+            <a:solidFill>
+              <a:schemeClr val="tx1">
+                <a:lumMod val="85000"/>
+                <a:lumOff val="15000"/>
+              </a:schemeClr>
+            </a:solidFill>
+          </a:ln>
+        </p:spPr>
+        <p:style>
+          <a:lnRef idx="1">
+            <a:schemeClr val="accent1"/>
+          </a:lnRef>
+          <a:fillRef idx="0">
+            <a:schemeClr val="accent1"/>
+          </a:fillRef>
+          <a:effectRef idx="0">
+            <a:schemeClr val="accent1"/>
+          </a:effectRef>
+          <a:fontRef idx="minor">
+            <a:schemeClr val="tx1"/>
+          </a:fontRef>
+        </p:style>
+        <p:txBody>
+          <a:bodyPr rtlCol="0" anchor="ctr"/>
+          <a:lstStyle/>
+          <a:p>
+            <a:pPr algn="ctr"/>
+            <a:endParaRPr lang="en-US"/>
+          </a:p>
+        </p:txBody>
+      </p:sp>
+    </p:spTree>
+  </p:cSld>
+  <p:clrMapOvr>
+    <a:masterClrMapping/>
+  </p:clrMapOvr>
+</p:sld>
+</file>
+
+<file path=ppt/slides/slide25.xml><?xml version="1.0" encoding="utf-8"?>
+<p:sld xmlns:a="http://schemas.openxmlformats.org/drawingml/2006/main" xmlns:r="http://schemas.openxmlformats.org/officeDocument/2006/relationships" xmlns:p="http://schemas.openxmlformats.org/presentationml/2006/main">
+  <p:cSld>
+    <p:spTree>
+      <p:nvGrpSpPr>
+        <p:cNvPr id="1" name=""/>
+        <p:cNvGrpSpPr/>
+        <p:nvPr/>
+      </p:nvGrpSpPr>
+      <p:grpSpPr>
+        <a:xfrm>
+          <a:off x="0" y="0"/>
+          <a:ext cx="0" cy="0"/>
+          <a:chOff x="0" y="0"/>
+          <a:chExt cx="0" cy="0"/>
+        </a:xfrm>
+      </p:grpSpPr>
+      <p:sp>
+        <p:nvSpPr>
+          <p:cNvPr id="2" name="Title 1"/>
+          <p:cNvSpPr>
+            <a:spLocks noGrp="1"/>
+          </p:cNvSpPr>
+          <p:nvPr>
+            <p:ph type="title"/>
+          </p:nvPr>
+        </p:nvSpPr>
+        <p:spPr>
+          <a:xfrm>
+            <a:off x="838200" y="609600"/>
+            <a:ext cx="7024744" cy="1143000"/>
+          </a:xfrm>
+        </p:spPr>
+        <p:txBody>
+          <a:bodyPr>
+            <a:normAutofit fontScale="90000"/>
+          </a:bodyPr>
+          <a:lstStyle/>
+          <a:p>
+            <a:r>
+              <a:rPr lang="en-US" dirty="0" smtClean="0"/>
+              <a:t>Big Impact of Small </a:t>
+            </a:r>
+            <a:r>
+              <a:rPr lang="en-US" dirty="0" smtClean="0"/>
+              <a:t>(Managed) Data</a:t>
+            </a:r>
+            <a:endParaRPr lang="en-US" dirty="0"/>
+          </a:p>
+        </p:txBody>
+      </p:sp>
+      <p:sp>
+        <p:nvSpPr>
+          <p:cNvPr id="3" name="Content Placeholder 2"/>
+          <p:cNvSpPr>
+            <a:spLocks noGrp="1"/>
+          </p:cNvSpPr>
+          <p:nvPr>
+            <p:ph sz="quarter" idx="13"/>
+          </p:nvPr>
+        </p:nvSpPr>
+        <p:spPr/>
+        <p:txBody>
+          <a:bodyPr>
+            <a:normAutofit fontScale="92500" lnSpcReduction="20000"/>
+          </a:bodyPr>
+          <a:lstStyle/>
+          <a:p>
+            <a:r>
+              <a:rPr lang="en-US" dirty="0" smtClean="0">
+                <a:hlinkClick r:id="rId2"/>
+              </a:rPr>
+              <a:t>http://www.youtube.com/watch?v=heaK44PW5ko&amp;feature=g-all-s&amp;context=G263cc50FAAAAAAAAAAA</a:t>
+            </a:r>
+            <a:endParaRPr lang="en-US" dirty="0" smtClean="0"/>
+          </a:p>
+          <a:p>
+            <a:r>
+              <a:rPr lang="en-US" dirty="0" smtClean="0">
+                <a:hlinkClick r:id="rId3"/>
+              </a:rPr>
+              <a:t>http://stevekochscience.blogspot.com/2011/02/open-data-success-story.html</a:t>
+            </a:r>
+            <a:endParaRPr lang="en-US" dirty="0" smtClean="0">
+              <a:hlinkClick r:id="rId4" tooltip="http://www.kochlab.org/files/Passivation/"/>
+            </a:endParaRPr>
+          </a:p>
+          <a:p>
+            <a:r>
+              <a:rPr lang="en-US" dirty="0" smtClean="0">
+                <a:hlinkClick r:id="rId4" tooltip="http://www.kochlab.org/files/Passivation/"/>
+              </a:rPr>
+              <a:t>http</a:t>
+            </a:r>
+            <a:r>
+              <a:rPr lang="en-US" dirty="0">
+                <a:hlinkClick r:id="rId4" tooltip="http://www.kochlab.org/files/Passivation/"/>
+              </a:rPr>
+              <a:t>://www.kochlab.org/files/Passivation/</a:t>
+            </a:r>
+            <a:endParaRPr lang="en-US" dirty="0"/>
+          </a:p>
+        </p:txBody>
+      </p:sp>
+      <p:pic>
+        <p:nvPicPr>
+          <p:cNvPr id="5" name="Content Placeholder 4" descr="Chef solo 2 (1).JPG"/>
+          <p:cNvPicPr>
+            <a:picLocks noGrp="1" noChangeAspect="1"/>
+          </p:cNvPicPr>
+          <p:nvPr>
+            <p:ph sz="quarter" idx="14"/>
+          </p:nvPr>
+        </p:nvPicPr>
+        <p:blipFill>
+          <a:blip r:embed="rId5" cstate="print"/>
+          <a:stretch>
+            <a:fillRect/>
+          </a:stretch>
+        </p:blipFill>
+        <p:spPr>
+          <a:xfrm>
+            <a:off x="5029200" y="1828800"/>
+            <a:ext cx="3377738" cy="3505200"/>
+          </a:xfrm>
+        </p:spPr>
+      </p:pic>
+    </p:spTree>
+  </p:cSld>
+  <p:clrMapOvr>
+    <a:masterClrMapping/>
+  </p:clrMapOvr>
+</p:sld>
+</file>
+
+<file path=ppt/slides/slide26.xml><?xml version="1.0" encoding="utf-8"?>
+<p:sld xmlns:a="http://schemas.openxmlformats.org/drawingml/2006/main" xmlns:r="http://schemas.openxmlformats.org/officeDocument/2006/relationships" xmlns:p="http://schemas.openxmlformats.org/presentationml/2006/main">
+  <p:cSld>
+    <p:spTree>
+      <p:nvGrpSpPr>
+        <p:cNvPr id="1" name=""/>
+        <p:cNvGrpSpPr/>
+        <p:nvPr/>
+      </p:nvGrpSpPr>
+      <p:grpSpPr>
+        <a:xfrm>
+          <a:off x="0" y="0"/>
+          <a:ext cx="0" cy="0"/>
+          <a:chOff x="0" y="0"/>
+          <a:chExt cx="0" cy="0"/>
+        </a:xfrm>
+      </p:grpSpPr>
+      <p:sp>
+        <p:nvSpPr>
+          <p:cNvPr id="2" name="Title 1"/>
+          <p:cNvSpPr>
+            <a:spLocks noGrp="1"/>
+          </p:cNvSpPr>
+          <p:nvPr>
+            <p:ph type="title"/>
+          </p:nvPr>
+        </p:nvSpPr>
+        <p:spPr/>
+        <p:txBody>
+          <a:bodyPr/>
+          <a:lstStyle/>
+          <a:p>
+            <a:r>
+              <a:rPr lang="en-US" dirty="0" smtClean="0"/>
+              <a:t>What Steve </a:t>
+            </a:r>
+            <a:r>
+              <a:rPr lang="en-US" dirty="0" smtClean="0"/>
+              <a:t>Does… </a:t>
             </a:r>
             <a:endParaRPr lang="en-US" dirty="0"/>
           </a:p>
@@ -15530,7 +17028,7 @@
 </p:sld>
 </file>
 
-<file path=ppt/slides/slide21.xml><?xml version="1.0" encoding="utf-8"?>
+<file path=ppt/slides/slide27.xml><?xml version="1.0" encoding="utf-8"?>
 <p:sld xmlns:a="http://schemas.openxmlformats.org/drawingml/2006/main" xmlns:r="http://schemas.openxmlformats.org/officeDocument/2006/relationships" xmlns:p="http://schemas.openxmlformats.org/presentationml/2006/main">
   <p:cSld>
     <p:spTree>
@@ -15581,10 +17079,10 @@
           </p:nvPr>
         </p:nvPicPr>
         <p:blipFill>
-          <a:blip r:embed="rId2">
+          <a:blip r:embed="rId2" cstate="print">
             <a:extLst>
               <a:ext uri="{28A0092B-C50C-407E-A947-70E740481C1C}">
-                <a14:useLocalDpi xmlns:a14="http://schemas.microsoft.com/office/drawing/2010/main" val="0"/>
+                <a14:useLocalDpi xmlns:a14="http://schemas.microsoft.com/office/drawing/2010/main" xmlns="" val="0"/>
               </a:ext>
             </a:extLst>
           </a:blip>
@@ -15611,19 +17109,30 @@
         </p:nvSpPr>
         <p:spPr/>
         <p:txBody>
-          <a:bodyPr/>
+          <a:bodyPr>
+            <a:normAutofit fontScale="70000" lnSpcReduction="20000"/>
+          </a:bodyPr>
           <a:lstStyle/>
           <a:p>
             <a:r>
               <a:rPr lang="en-US" dirty="0" smtClean="0"/>
-              <a:t>Nothing is proven</a:t>
-            </a:r>
-          </a:p>
-          <a:p>
+              <a:t>Nothing is </a:t>
+            </a:r>
             <a:r>
               <a:rPr lang="en-US" dirty="0" smtClean="0"/>
-              <a:t>Critical Thinking is always important</a:t>
-            </a:r>
+              <a:t>proven</a:t>
+            </a:r>
+          </a:p>
+          <a:p>
+            <a:pPr lvl="1"/>
+            <a:r>
+              <a:rPr lang="en-US" dirty="0" smtClean="0"/>
+              <a:t>All the good stuff is theory</a:t>
+            </a:r>
+          </a:p>
+          <a:p>
+            <a:pPr lvl="1"/>
+            <a:endParaRPr lang="en-US" dirty="0" smtClean="0"/>
           </a:p>
           <a:p>
             <a:r>
@@ -15632,15 +17141,51 @@
             </a:r>
           </a:p>
           <a:p>
+            <a:pPr lvl="1"/>
+            <a:endParaRPr lang="en-US" dirty="0" smtClean="0"/>
+          </a:p>
+          <a:p>
             <a:r>
               <a:rPr lang="en-US" dirty="0" smtClean="0"/>
-              <a:t>Big Data is made from small data</a:t>
-            </a:r>
-          </a:p>
-          <a:p>
+              <a:t>Critical thinking </a:t>
+            </a:r>
             <a:r>
               <a:rPr lang="en-US" dirty="0" smtClean="0"/>
-              <a:t>Big Ideas ?</a:t>
+              <a:t>is always </a:t>
+            </a:r>
+            <a:r>
+              <a:rPr lang="en-US" dirty="0" smtClean="0"/>
+              <a:t>important</a:t>
+            </a:r>
+          </a:p>
+          <a:p>
+            <a:endParaRPr lang="en-US" dirty="0" smtClean="0"/>
+          </a:p>
+          <a:p>
+            <a:r>
+              <a:rPr lang="en-US" dirty="0" smtClean="0"/>
+              <a:t>Big </a:t>
+            </a:r>
+            <a:r>
+              <a:rPr lang="en-US" dirty="0" smtClean="0"/>
+              <a:t>Data is made from small </a:t>
+            </a:r>
+            <a:r>
+              <a:rPr lang="en-US" dirty="0" smtClean="0"/>
+              <a:t>data</a:t>
+            </a:r>
+          </a:p>
+          <a:p>
+            <a:endParaRPr lang="en-US" dirty="0" smtClean="0"/>
+          </a:p>
+          <a:p>
+            <a:r>
+              <a:rPr lang="en-US" dirty="0" smtClean="0"/>
+              <a:t>Big </a:t>
+            </a:r>
+            <a:r>
+              <a:rPr lang="en-US" dirty="0" smtClean="0"/>
+              <a:t>Ideas ?</a:t>
             </a:r>
             <a:endParaRPr lang="en-US" dirty="0"/>
           </a:p>
@@ -15649,7 +17194,7 @@
     </p:spTree>
     <p:extLst>
       <p:ext uri="{BB962C8B-B14F-4D97-AF65-F5344CB8AC3E}">
-        <p14:creationId xmlns:p14="http://schemas.microsoft.com/office/powerpoint/2010/main" val="3725421048"/>
+        <p14:creationId xmlns:p14="http://schemas.microsoft.com/office/powerpoint/2010/main" xmlns="" val="3725421048"/>
       </p:ext>
     </p:extLst>
   </p:cSld>
@@ -15686,12 +17231,21 @@
             <p:ph type="title"/>
           </p:nvPr>
         </p:nvSpPr>
-        <p:spPr/>
+        <p:spPr>
+          <a:xfrm>
+            <a:off x="838200" y="533400"/>
+            <a:ext cx="7024744" cy="1143000"/>
+          </a:xfrm>
+        </p:spPr>
         <p:txBody>
           <a:bodyPr/>
           <a:lstStyle/>
           <a:p>
-            <a:endParaRPr lang="en-US"/>
+            <a:r>
+              <a:rPr lang="en-US" dirty="0" smtClean="0"/>
+              <a:t>Did he play a trick on us?</a:t>
+            </a:r>
+            <a:endParaRPr lang="en-US" dirty="0"/>
           </a:p>
         </p:txBody>
       </p:sp>
@@ -15959,10 +17513,10 @@
           </p:nvPr>
         </p:nvPicPr>
         <p:blipFill>
-          <a:blip r:embed="rId2">
+          <a:blip r:embed="rId2" cstate="print">
             <a:extLst>
               <a:ext uri="{28A0092B-C50C-407E-A947-70E740481C1C}">
-                <a14:useLocalDpi xmlns:a14="http://schemas.microsoft.com/office/drawing/2010/main" val="0"/>
+                <a14:useLocalDpi xmlns:a14="http://schemas.microsoft.com/office/drawing/2010/main" xmlns="" val="0"/>
               </a:ext>
             </a:extLst>
           </a:blip>
@@ -15980,7 +17534,7 @@
     </p:spTree>
     <p:extLst>
       <p:ext uri="{BB962C8B-B14F-4D97-AF65-F5344CB8AC3E}">
-        <p14:creationId xmlns:p14="http://schemas.microsoft.com/office/powerpoint/2010/main" val="40055222"/>
+        <p14:creationId xmlns:p14="http://schemas.microsoft.com/office/powerpoint/2010/main" xmlns="" val="40055222"/>
       </p:ext>
     </p:extLst>
   </p:cSld>
@@ -16049,7 +17603,15 @@
           <a:p>
             <a:r>
               <a:rPr lang="en-US" dirty="0" smtClean="0"/>
-              <a:t>Data is now substitute for critical thinking</a:t>
+              <a:t>Data is </a:t>
+            </a:r>
+            <a:r>
+              <a:rPr lang="en-US" dirty="0" smtClean="0"/>
+              <a:t>no </a:t>
+            </a:r>
+            <a:r>
+              <a:rPr lang="en-US" dirty="0" smtClean="0"/>
+              <a:t>substitute for critical thinking</a:t>
             </a:r>
           </a:p>
           <a:p>
@@ -16102,8 +17664,13 @@
           <a:p>
             <a:r>
               <a:rPr lang="en-US" dirty="0" smtClean="0"/>
-              <a:t>The “Global Experiment” is impossible</a:t>
-            </a:r>
+              <a:t>The “Global Experiment” is </a:t>
+            </a:r>
+            <a:r>
+              <a:rPr lang="en-US" dirty="0" smtClean="0"/>
+              <a:t>impossible (or at least highly undesirable)</a:t>
+            </a:r>
+            <a:endParaRPr lang="en-US" dirty="0" smtClean="0"/>
           </a:p>
           <a:p>
             <a:endParaRPr lang="en-US" dirty="0" smtClean="0"/>
@@ -16300,7 +17867,7 @@
           <a:blip r:embed="rId2" cstate="print">
             <a:extLst>
               <a:ext uri="{28A0092B-C50C-407E-A947-70E740481C1C}">
-                <a14:useLocalDpi xmlns:a14="http://schemas.microsoft.com/office/drawing/2010/main" val="0"/>
+                <a14:useLocalDpi xmlns:a14="http://schemas.microsoft.com/office/drawing/2010/main" xmlns="" val="0"/>
               </a:ext>
             </a:extLst>
           </a:blip>
@@ -16358,7 +17925,7 @@
     </p:spTree>
     <p:extLst>
       <p:ext uri="{BB962C8B-B14F-4D97-AF65-F5344CB8AC3E}">
-        <p14:creationId xmlns:p14="http://schemas.microsoft.com/office/powerpoint/2010/main" val="3581866339"/>
+        <p14:creationId xmlns:p14="http://schemas.microsoft.com/office/powerpoint/2010/main" xmlns="" val="3581866339"/>
       </p:ext>
     </p:extLst>
   </p:cSld>
